--- a/lab5/Comp_Arch_Exp-5.Pipelined CPU supporting multi-cycle operations.pptx
+++ b/lab5/Comp_Arch_Exp-5.Pipelined CPU supporting multi-cycle operations.pptx
@@ -257,7 +257,7 @@
           <a:p>
             <a:fld id="{21FA232E-0D23-E744-A2E7-48CC2B10A8E9}" type="datetimeFigureOut">
               <a:rPr kumimoji="1" lang="zh-CN" altLang="en-US" smtClean="0"/>
-              <a:t>2021/11/7</a:t>
+              <a:t>2021/11/15</a:t>
             </a:fld>
             <a:endParaRPr kumimoji="1" lang="zh-CN" altLang="en-US"/>
           </a:p>
@@ -321,38 +321,37 @@
           <a:p>
             <a:pPr lvl="0"/>
             <a:r>
-              <a:rPr kumimoji="1" lang="zh-CN" altLang="en-US" smtClean="0"/>
+              <a:rPr kumimoji="1" lang="zh-CN" altLang="en-US"/>
               <a:t>单击此处编辑母版文本样式</a:t>
             </a:r>
           </a:p>
           <a:p>
             <a:pPr lvl="1"/>
             <a:r>
-              <a:rPr kumimoji="1" lang="zh-CN" altLang="en-US" smtClean="0"/>
+              <a:rPr kumimoji="1" lang="zh-CN" altLang="en-US"/>
               <a:t>二级</a:t>
             </a:r>
           </a:p>
           <a:p>
             <a:pPr lvl="2"/>
             <a:r>
-              <a:rPr kumimoji="1" lang="zh-CN" altLang="en-US" smtClean="0"/>
+              <a:rPr kumimoji="1" lang="zh-CN" altLang="en-US"/>
               <a:t>三级</a:t>
             </a:r>
           </a:p>
           <a:p>
             <a:pPr lvl="3"/>
             <a:r>
-              <a:rPr kumimoji="1" lang="zh-CN" altLang="en-US" smtClean="0"/>
+              <a:rPr kumimoji="1" lang="zh-CN" altLang="en-US"/>
               <a:t>四级</a:t>
             </a:r>
           </a:p>
           <a:p>
             <a:pPr lvl="4"/>
             <a:r>
-              <a:rPr kumimoji="1" lang="zh-CN" altLang="en-US" smtClean="0"/>
+              <a:rPr kumimoji="1" lang="zh-CN" altLang="en-US"/>
               <a:t>五级</a:t>
             </a:r>
-            <a:endParaRPr kumimoji="1" lang="zh-CN" altLang="en-US"/>
           </a:p>
         </p:txBody>
       </p:sp>
@@ -731,10 +730,9 @@
           <a:lstStyle/>
           <a:p>
             <a:r>
-              <a:rPr lang="zh-CN" altLang="en-US" smtClean="0"/>
+              <a:rPr lang="zh-CN" altLang="en-US"/>
               <a:t>单击此处编辑母版标题样式</a:t>
             </a:r>
-            <a:endParaRPr lang="zh-CN" altLang="en-US"/>
           </a:p>
         </p:txBody>
       </p:sp>
@@ -850,10 +848,9 @@
           </a:lstStyle>
           <a:p>
             <a:r>
-              <a:rPr lang="zh-CN" altLang="en-US" smtClean="0"/>
+              <a:rPr lang="zh-CN" altLang="en-US"/>
               <a:t>单击此处编辑母版副标题样式</a:t>
             </a:r>
-            <a:endParaRPr lang="zh-CN" altLang="en-US"/>
           </a:p>
         </p:txBody>
       </p:sp>
@@ -874,7 +871,7 @@
           <a:p>
             <a:fld id="{EF50BAF8-1120-4869-B1EC-9D010EF77D65}" type="datetimeFigureOut">
               <a:rPr lang="zh-CN" altLang="en-US" smtClean="0"/>
-              <a:t>2021/11/7</a:t>
+              <a:t>2021/11/15</a:t>
             </a:fld>
             <a:endParaRPr lang="zh-CN" altLang="en-US"/>
           </a:p>
@@ -932,13 +929,6 @@
   <p:clrMapOvr>
     <a:masterClrMapping/>
   </p:clrMapOvr>
-  <p:timing>
-    <p:tnLst>
-      <p:par>
-        <p:cTn id="1" dur="indefinite" restart="never" nodeType="tmRoot"/>
-      </p:par>
-    </p:tnLst>
-  </p:timing>
 </p:sldLayout>
 </file>
 
@@ -975,10 +965,9 @@
           <a:lstStyle/>
           <a:p>
             <a:r>
-              <a:rPr lang="zh-CN" altLang="en-US" smtClean="0"/>
+              <a:rPr lang="zh-CN" altLang="en-US"/>
               <a:t>单击此处编辑母版标题样式</a:t>
             </a:r>
-            <a:endParaRPr lang="zh-CN" altLang="en-US"/>
           </a:p>
         </p:txBody>
       </p:sp>
@@ -999,38 +988,37 @@
           <a:p>
             <a:pPr lvl="0"/>
             <a:r>
-              <a:rPr lang="zh-CN" altLang="en-US" smtClean="0"/>
+              <a:rPr lang="zh-CN" altLang="en-US"/>
               <a:t>单击此处编辑母版文本样式</a:t>
             </a:r>
           </a:p>
           <a:p>
             <a:pPr lvl="1"/>
             <a:r>
-              <a:rPr lang="zh-CN" altLang="en-US" smtClean="0"/>
+              <a:rPr lang="zh-CN" altLang="en-US"/>
               <a:t>第二级</a:t>
             </a:r>
           </a:p>
           <a:p>
             <a:pPr lvl="2"/>
             <a:r>
-              <a:rPr lang="zh-CN" altLang="en-US" smtClean="0"/>
+              <a:rPr lang="zh-CN" altLang="en-US"/>
               <a:t>第三级</a:t>
             </a:r>
           </a:p>
           <a:p>
             <a:pPr lvl="3"/>
             <a:r>
-              <a:rPr lang="zh-CN" altLang="en-US" smtClean="0"/>
+              <a:rPr lang="zh-CN" altLang="en-US"/>
               <a:t>第四级</a:t>
             </a:r>
           </a:p>
           <a:p>
             <a:pPr lvl="4"/>
             <a:r>
-              <a:rPr lang="zh-CN" altLang="en-US" smtClean="0"/>
+              <a:rPr lang="zh-CN" altLang="en-US"/>
               <a:t>第五级</a:t>
             </a:r>
-            <a:endParaRPr lang="zh-CN" altLang="en-US"/>
           </a:p>
         </p:txBody>
       </p:sp>
@@ -1051,7 +1039,7 @@
           <a:p>
             <a:fld id="{EF50BAF8-1120-4869-B1EC-9D010EF77D65}" type="datetimeFigureOut">
               <a:rPr lang="zh-CN" altLang="en-US" smtClean="0"/>
-              <a:t>2021/11/7</a:t>
+              <a:t>2021/11/15</a:t>
             </a:fld>
             <a:endParaRPr lang="zh-CN" altLang="en-US"/>
           </a:p>
@@ -1150,10 +1138,9 @@
           <a:lstStyle/>
           <a:p>
             <a:r>
-              <a:rPr lang="zh-CN" altLang="en-US" smtClean="0"/>
+              <a:rPr lang="zh-CN" altLang="en-US"/>
               <a:t>单击此处编辑母版标题样式</a:t>
             </a:r>
-            <a:endParaRPr lang="zh-CN" altLang="en-US"/>
           </a:p>
         </p:txBody>
       </p:sp>
@@ -1179,38 +1166,37 @@
           <a:p>
             <a:pPr lvl="0"/>
             <a:r>
-              <a:rPr lang="zh-CN" altLang="en-US" smtClean="0"/>
+              <a:rPr lang="zh-CN" altLang="en-US"/>
               <a:t>单击此处编辑母版文本样式</a:t>
             </a:r>
           </a:p>
           <a:p>
             <a:pPr lvl="1"/>
             <a:r>
-              <a:rPr lang="zh-CN" altLang="en-US" smtClean="0"/>
+              <a:rPr lang="zh-CN" altLang="en-US"/>
               <a:t>第二级</a:t>
             </a:r>
           </a:p>
           <a:p>
             <a:pPr lvl="2"/>
             <a:r>
-              <a:rPr lang="zh-CN" altLang="en-US" smtClean="0"/>
+              <a:rPr lang="zh-CN" altLang="en-US"/>
               <a:t>第三级</a:t>
             </a:r>
           </a:p>
           <a:p>
             <a:pPr lvl="3"/>
             <a:r>
-              <a:rPr lang="zh-CN" altLang="en-US" smtClean="0"/>
+              <a:rPr lang="zh-CN" altLang="en-US"/>
               <a:t>第四级</a:t>
             </a:r>
           </a:p>
           <a:p>
             <a:pPr lvl="4"/>
             <a:r>
-              <a:rPr lang="zh-CN" altLang="en-US" smtClean="0"/>
+              <a:rPr lang="zh-CN" altLang="en-US"/>
               <a:t>第五级</a:t>
             </a:r>
-            <a:endParaRPr lang="zh-CN" altLang="en-US"/>
           </a:p>
         </p:txBody>
       </p:sp>
@@ -1231,7 +1217,7 @@
           <a:p>
             <a:fld id="{EF50BAF8-1120-4869-B1EC-9D010EF77D65}" type="datetimeFigureOut">
               <a:rPr lang="zh-CN" altLang="en-US" smtClean="0"/>
-              <a:t>2021/11/7</a:t>
+              <a:t>2021/11/15</a:t>
             </a:fld>
             <a:endParaRPr lang="zh-CN" altLang="en-US"/>
           </a:p>
@@ -1381,7 +1367,7 @@
           </a:lstStyle>
           <a:p>
             <a:r>
-              <a:rPr lang="zh-CN" altLang="en-US" smtClean="0"/>
+              <a:rPr lang="zh-CN" altLang="en-US"/>
               <a:t>单击此处编辑母版标题样式</a:t>
             </a:r>
             <a:endParaRPr lang="zh-CN" altLang="en-US" dirty="0"/>
@@ -1504,7 +1490,7 @@
           </a:lstStyle>
           <a:p>
             <a:r>
-              <a:rPr lang="zh-CN" altLang="en-US" smtClean="0"/>
+              <a:rPr lang="zh-CN" altLang="en-US"/>
               <a:t>单击此处编辑母版副标题样式</a:t>
             </a:r>
             <a:endParaRPr lang="zh-CN" altLang="en-US" dirty="0"/>
@@ -1528,7 +1514,7 @@
           <a:p>
             <a:fld id="{530820CF-B880-4189-942D-D702A7CBA730}" type="datetimeFigureOut">
               <a:rPr lang="zh-CN" altLang="en-US" smtClean="0"/>
-              <a:t>2021/11/7</a:t>
+              <a:t>2021/11/15</a:t>
             </a:fld>
             <a:endParaRPr lang="zh-CN" altLang="en-US"/>
           </a:p>
@@ -1731,13 +1717,6 @@
   <p:clrMapOvr>
     <a:masterClrMapping/>
   </p:clrMapOvr>
-  <p:timing>
-    <p:tnLst>
-      <p:par>
-        <p:cTn id="1" dur="indefinite" restart="never" nodeType="tmRoot"/>
-      </p:par>
-    </p:tnLst>
-  </p:timing>
 </p:sldLayout>
 </file>
 
@@ -1800,7 +1779,7 @@
           </a:lstStyle>
           <a:p>
             <a:r>
-              <a:rPr lang="zh-CN" altLang="en-US" smtClean="0"/>
+              <a:rPr lang="zh-CN" altLang="en-US"/>
               <a:t>单击此处编辑母版标题样式</a:t>
             </a:r>
             <a:endParaRPr lang="zh-CN" altLang="en-US" dirty="0"/>
@@ -1891,35 +1870,35 @@
           <a:p>
             <a:pPr lvl="0"/>
             <a:r>
-              <a:rPr lang="zh-CN" altLang="en-US" smtClean="0"/>
+              <a:rPr lang="zh-CN" altLang="en-US"/>
               <a:t>单击此处编辑母版文本样式</a:t>
             </a:r>
           </a:p>
           <a:p>
             <a:pPr lvl="1"/>
             <a:r>
-              <a:rPr lang="zh-CN" altLang="en-US" smtClean="0"/>
+              <a:rPr lang="zh-CN" altLang="en-US"/>
               <a:t>二级</a:t>
             </a:r>
           </a:p>
           <a:p>
             <a:pPr lvl="2"/>
             <a:r>
-              <a:rPr lang="zh-CN" altLang="en-US" smtClean="0"/>
+              <a:rPr lang="zh-CN" altLang="en-US"/>
               <a:t>三级</a:t>
             </a:r>
           </a:p>
           <a:p>
             <a:pPr lvl="3"/>
             <a:r>
-              <a:rPr lang="zh-CN" altLang="en-US" smtClean="0"/>
+              <a:rPr lang="zh-CN" altLang="en-US"/>
               <a:t>四级</a:t>
             </a:r>
           </a:p>
           <a:p>
             <a:pPr lvl="4"/>
             <a:r>
-              <a:rPr lang="zh-CN" altLang="en-US" smtClean="0"/>
+              <a:rPr lang="zh-CN" altLang="en-US"/>
               <a:t>五级</a:t>
             </a:r>
             <a:endParaRPr lang="zh-CN" altLang="en-US" dirty="0"/>
@@ -1943,7 +1922,7 @@
           <a:p>
             <a:fld id="{530820CF-B880-4189-942D-D702A7CBA730}" type="datetimeFigureOut">
               <a:rPr lang="zh-CN" altLang="en-US" smtClean="0"/>
-              <a:t>2021/11/7</a:t>
+              <a:t>2021/11/15</a:t>
             </a:fld>
             <a:endParaRPr lang="zh-CN" altLang="en-US"/>
           </a:p>
@@ -2055,7 +2034,7 @@
           </a:lstStyle>
           <a:p>
             <a:r>
-              <a:rPr lang="zh-CN" altLang="en-US" smtClean="0"/>
+              <a:rPr lang="zh-CN" altLang="en-US"/>
               <a:t>单击此处编辑母版标题样式</a:t>
             </a:r>
             <a:endParaRPr lang="zh-CN" altLang="en-US" dirty="0"/>
@@ -2146,35 +2125,35 @@
           <a:p>
             <a:pPr lvl="0"/>
             <a:r>
-              <a:rPr lang="zh-CN" altLang="en-US" smtClean="0"/>
+              <a:rPr lang="zh-CN" altLang="en-US"/>
               <a:t>单击此处编辑母版文本样式</a:t>
             </a:r>
           </a:p>
           <a:p>
             <a:pPr lvl="1"/>
             <a:r>
-              <a:rPr lang="zh-CN" altLang="en-US" smtClean="0"/>
+              <a:rPr lang="zh-CN" altLang="en-US"/>
               <a:t>二级</a:t>
             </a:r>
           </a:p>
           <a:p>
             <a:pPr lvl="2"/>
             <a:r>
-              <a:rPr lang="zh-CN" altLang="en-US" smtClean="0"/>
+              <a:rPr lang="zh-CN" altLang="en-US"/>
               <a:t>三级</a:t>
             </a:r>
           </a:p>
           <a:p>
             <a:pPr lvl="3"/>
             <a:r>
-              <a:rPr lang="zh-CN" altLang="en-US" smtClean="0"/>
+              <a:rPr lang="zh-CN" altLang="en-US"/>
               <a:t>四级</a:t>
             </a:r>
           </a:p>
           <a:p>
             <a:pPr lvl="4"/>
             <a:r>
-              <a:rPr lang="zh-CN" altLang="en-US" smtClean="0"/>
+              <a:rPr lang="zh-CN" altLang="en-US"/>
               <a:t>五级</a:t>
             </a:r>
             <a:endParaRPr lang="zh-CN" altLang="en-US" dirty="0"/>
@@ -2198,7 +2177,7 @@
           <a:p>
             <a:fld id="{530820CF-B880-4189-942D-D702A7CBA730}" type="datetimeFigureOut">
               <a:rPr lang="zh-CN" altLang="en-US" smtClean="0"/>
-              <a:t>2021/11/7</a:t>
+              <a:t>2021/11/15</a:t>
             </a:fld>
             <a:endParaRPr lang="zh-CN" altLang="en-US"/>
           </a:p>
@@ -2209,13 +2188,6 @@
   <p:clrMapOvr>
     <a:masterClrMapping/>
   </p:clrMapOvr>
-  <p:timing>
-    <p:tnLst>
-      <p:par>
-        <p:cTn id="1" dur="indefinite" restart="never" nodeType="tmRoot"/>
-      </p:par>
-    </p:tnLst>
-  </p:timing>
 </p:sldLayout>
 </file>
 
@@ -2261,10 +2233,9 @@
           </a:lstStyle>
           <a:p>
             <a:r>
-              <a:rPr lang="zh-CN" altLang="en-US" smtClean="0"/>
+              <a:rPr lang="zh-CN" altLang="en-US"/>
               <a:t>单击此处编辑母版标题样式</a:t>
             </a:r>
-            <a:endParaRPr lang="zh-CN" altLang="en-US"/>
           </a:p>
         </p:txBody>
       </p:sp>
@@ -2381,7 +2352,7 @@
           <a:p>
             <a:pPr lvl="0"/>
             <a:r>
-              <a:rPr lang="zh-CN" altLang="en-US" smtClean="0"/>
+              <a:rPr lang="zh-CN" altLang="en-US"/>
               <a:t>单击此处编辑母版文本样式</a:t>
             </a:r>
           </a:p>
@@ -2404,7 +2375,7 @@
           <a:p>
             <a:fld id="{530820CF-B880-4189-942D-D702A7CBA730}" type="datetimeFigureOut">
               <a:rPr lang="zh-CN" altLang="en-US" smtClean="0"/>
-              <a:t>2021/11/7</a:t>
+              <a:t>2021/11/15</a:t>
             </a:fld>
             <a:endParaRPr lang="zh-CN" altLang="en-US"/>
           </a:p>
@@ -2457,13 +2428,6 @@
   <p:clrMapOvr>
     <a:masterClrMapping/>
   </p:clrMapOvr>
-  <p:timing>
-    <p:tnLst>
-      <p:par>
-        <p:cTn id="1" dur="indefinite" restart="never" nodeType="tmRoot"/>
-      </p:par>
-    </p:tnLst>
-  </p:timing>
 </p:sldLayout>
 </file>
 
@@ -2500,10 +2464,9 @@
           <a:lstStyle/>
           <a:p>
             <a:r>
-              <a:rPr lang="zh-CN" altLang="en-US" smtClean="0"/>
+              <a:rPr lang="zh-CN" altLang="en-US"/>
               <a:t>单击此处编辑母版标题样式</a:t>
             </a:r>
-            <a:endParaRPr lang="zh-CN" altLang="en-US"/>
           </a:p>
         </p:txBody>
       </p:sp>
@@ -2557,38 +2520,37 @@
           <a:p>
             <a:pPr lvl="0"/>
             <a:r>
-              <a:rPr lang="zh-CN" altLang="en-US" smtClean="0"/>
+              <a:rPr lang="zh-CN" altLang="en-US"/>
               <a:t>单击此处编辑母版文本样式</a:t>
             </a:r>
           </a:p>
           <a:p>
             <a:pPr lvl="1"/>
             <a:r>
-              <a:rPr lang="zh-CN" altLang="en-US" smtClean="0"/>
+              <a:rPr lang="zh-CN" altLang="en-US"/>
               <a:t>二级</a:t>
             </a:r>
           </a:p>
           <a:p>
             <a:pPr lvl="2"/>
             <a:r>
-              <a:rPr lang="zh-CN" altLang="en-US" smtClean="0"/>
+              <a:rPr lang="zh-CN" altLang="en-US"/>
               <a:t>三级</a:t>
             </a:r>
           </a:p>
           <a:p>
             <a:pPr lvl="3"/>
             <a:r>
-              <a:rPr lang="zh-CN" altLang="en-US" smtClean="0"/>
+              <a:rPr lang="zh-CN" altLang="en-US"/>
               <a:t>四级</a:t>
             </a:r>
           </a:p>
           <a:p>
             <a:pPr lvl="4"/>
             <a:r>
-              <a:rPr lang="zh-CN" altLang="en-US" smtClean="0"/>
+              <a:rPr lang="zh-CN" altLang="en-US"/>
               <a:t>五级</a:t>
             </a:r>
-            <a:endParaRPr lang="zh-CN" altLang="en-US"/>
           </a:p>
         </p:txBody>
       </p:sp>
@@ -2642,38 +2604,37 @@
           <a:p>
             <a:pPr lvl="0"/>
             <a:r>
-              <a:rPr lang="zh-CN" altLang="en-US" smtClean="0"/>
+              <a:rPr lang="zh-CN" altLang="en-US"/>
               <a:t>单击此处编辑母版文本样式</a:t>
             </a:r>
           </a:p>
           <a:p>
             <a:pPr lvl="1"/>
             <a:r>
-              <a:rPr lang="zh-CN" altLang="en-US" smtClean="0"/>
+              <a:rPr lang="zh-CN" altLang="en-US"/>
               <a:t>二级</a:t>
             </a:r>
           </a:p>
           <a:p>
             <a:pPr lvl="2"/>
             <a:r>
-              <a:rPr lang="zh-CN" altLang="en-US" smtClean="0"/>
+              <a:rPr lang="zh-CN" altLang="en-US"/>
               <a:t>三级</a:t>
             </a:r>
           </a:p>
           <a:p>
             <a:pPr lvl="3"/>
             <a:r>
-              <a:rPr lang="zh-CN" altLang="en-US" smtClean="0"/>
+              <a:rPr lang="zh-CN" altLang="en-US"/>
               <a:t>四级</a:t>
             </a:r>
           </a:p>
           <a:p>
             <a:pPr lvl="4"/>
             <a:r>
-              <a:rPr lang="zh-CN" altLang="en-US" smtClean="0"/>
+              <a:rPr lang="zh-CN" altLang="en-US"/>
               <a:t>五级</a:t>
             </a:r>
-            <a:endParaRPr lang="zh-CN" altLang="en-US"/>
           </a:p>
         </p:txBody>
       </p:sp>
@@ -2694,7 +2655,7 @@
           <a:p>
             <a:fld id="{530820CF-B880-4189-942D-D702A7CBA730}" type="datetimeFigureOut">
               <a:rPr lang="zh-CN" altLang="en-US" smtClean="0"/>
-              <a:t>2021/11/7</a:t>
+              <a:t>2021/11/15</a:t>
             </a:fld>
             <a:endParaRPr lang="zh-CN" altLang="en-US"/>
           </a:p>
@@ -2787,10 +2748,9 @@
           </a:lstStyle>
           <a:p>
             <a:r>
-              <a:rPr lang="zh-CN" altLang="en-US" smtClean="0"/>
+              <a:rPr lang="zh-CN" altLang="en-US"/>
               <a:t>单击此处编辑母版标题样式</a:t>
             </a:r>
-            <a:endParaRPr lang="zh-CN" altLang="en-US"/>
           </a:p>
         </p:txBody>
       </p:sp>
@@ -2853,7 +2813,7 @@
           <a:p>
             <a:pPr lvl="0"/>
             <a:r>
-              <a:rPr lang="zh-CN" altLang="en-US" smtClean="0"/>
+              <a:rPr lang="zh-CN" altLang="en-US"/>
               <a:t>单击此处编辑母版文本样式</a:t>
             </a:r>
           </a:p>
@@ -2909,38 +2869,37 @@
           <a:p>
             <a:pPr lvl="0"/>
             <a:r>
-              <a:rPr lang="zh-CN" altLang="en-US" smtClean="0"/>
+              <a:rPr lang="zh-CN" altLang="en-US"/>
               <a:t>单击此处编辑母版文本样式</a:t>
             </a:r>
           </a:p>
           <a:p>
             <a:pPr lvl="1"/>
             <a:r>
-              <a:rPr lang="zh-CN" altLang="en-US" smtClean="0"/>
+              <a:rPr lang="zh-CN" altLang="en-US"/>
               <a:t>二级</a:t>
             </a:r>
           </a:p>
           <a:p>
             <a:pPr lvl="2"/>
             <a:r>
-              <a:rPr lang="zh-CN" altLang="en-US" smtClean="0"/>
+              <a:rPr lang="zh-CN" altLang="en-US"/>
               <a:t>三级</a:t>
             </a:r>
           </a:p>
           <a:p>
             <a:pPr lvl="3"/>
             <a:r>
-              <a:rPr lang="zh-CN" altLang="en-US" smtClean="0"/>
+              <a:rPr lang="zh-CN" altLang="en-US"/>
               <a:t>四级</a:t>
             </a:r>
           </a:p>
           <a:p>
             <a:pPr lvl="4"/>
             <a:r>
-              <a:rPr lang="zh-CN" altLang="en-US" smtClean="0"/>
+              <a:rPr lang="zh-CN" altLang="en-US"/>
               <a:t>五级</a:t>
             </a:r>
-            <a:endParaRPr lang="zh-CN" altLang="en-US"/>
           </a:p>
         </p:txBody>
       </p:sp>
@@ -3003,7 +2962,7 @@
           <a:p>
             <a:pPr lvl="0"/>
             <a:r>
-              <a:rPr lang="zh-CN" altLang="en-US" smtClean="0"/>
+              <a:rPr lang="zh-CN" altLang="en-US"/>
               <a:t>单击此处编辑母版文本样式</a:t>
             </a:r>
           </a:p>
@@ -3059,38 +3018,37 @@
           <a:p>
             <a:pPr lvl="0"/>
             <a:r>
-              <a:rPr lang="zh-CN" altLang="en-US" smtClean="0"/>
+              <a:rPr lang="zh-CN" altLang="en-US"/>
               <a:t>单击此处编辑母版文本样式</a:t>
             </a:r>
           </a:p>
           <a:p>
             <a:pPr lvl="1"/>
             <a:r>
-              <a:rPr lang="zh-CN" altLang="en-US" smtClean="0"/>
+              <a:rPr lang="zh-CN" altLang="en-US"/>
               <a:t>二级</a:t>
             </a:r>
           </a:p>
           <a:p>
             <a:pPr lvl="2"/>
             <a:r>
-              <a:rPr lang="zh-CN" altLang="en-US" smtClean="0"/>
+              <a:rPr lang="zh-CN" altLang="en-US"/>
               <a:t>三级</a:t>
             </a:r>
           </a:p>
           <a:p>
             <a:pPr lvl="3"/>
             <a:r>
-              <a:rPr lang="zh-CN" altLang="en-US" smtClean="0"/>
+              <a:rPr lang="zh-CN" altLang="en-US"/>
               <a:t>四级</a:t>
             </a:r>
           </a:p>
           <a:p>
             <a:pPr lvl="4"/>
             <a:r>
-              <a:rPr lang="zh-CN" altLang="en-US" smtClean="0"/>
+              <a:rPr lang="zh-CN" altLang="en-US"/>
               <a:t>五级</a:t>
             </a:r>
-            <a:endParaRPr lang="zh-CN" altLang="en-US"/>
           </a:p>
         </p:txBody>
       </p:sp>
@@ -3111,7 +3069,7 @@
           <a:p>
             <a:fld id="{530820CF-B880-4189-942D-D702A7CBA730}" type="datetimeFigureOut">
               <a:rPr lang="zh-CN" altLang="en-US" smtClean="0"/>
-              <a:t>2021/11/7</a:t>
+              <a:t>2021/11/15</a:t>
             </a:fld>
             <a:endParaRPr lang="zh-CN" altLang="en-US"/>
           </a:p>
@@ -3200,10 +3158,9 @@
           <a:lstStyle/>
           <a:p>
             <a:r>
-              <a:rPr lang="zh-CN" altLang="en-US" smtClean="0"/>
+              <a:rPr lang="zh-CN" altLang="en-US"/>
               <a:t>单击此处编辑母版标题样式</a:t>
             </a:r>
-            <a:endParaRPr lang="zh-CN" altLang="en-US"/>
           </a:p>
         </p:txBody>
       </p:sp>
@@ -3224,7 +3181,7 @@
           <a:p>
             <a:fld id="{530820CF-B880-4189-942D-D702A7CBA730}" type="datetimeFigureOut">
               <a:rPr lang="zh-CN" altLang="en-US" smtClean="0"/>
-              <a:t>2021/11/7</a:t>
+              <a:t>2021/11/15</a:t>
             </a:fld>
             <a:endParaRPr lang="zh-CN" altLang="en-US"/>
           </a:p>
@@ -3314,7 +3271,7 @@
           <a:p>
             <a:fld id="{530820CF-B880-4189-942D-D702A7CBA730}" type="datetimeFigureOut">
               <a:rPr lang="zh-CN" altLang="en-US" smtClean="0"/>
-              <a:t>2021/11/7</a:t>
+              <a:t>2021/11/15</a:t>
             </a:fld>
             <a:endParaRPr lang="zh-CN" altLang="en-US"/>
           </a:p>
@@ -3407,10 +3364,9 @@
           </a:lstStyle>
           <a:p>
             <a:r>
-              <a:rPr lang="zh-CN" altLang="en-US" dirty="0" smtClean="0"/>
+              <a:rPr lang="zh-CN" altLang="en-US" dirty="0"/>
               <a:t>目录</a:t>
             </a:r>
-            <a:endParaRPr lang="zh-CN" altLang="en-US" dirty="0"/>
           </a:p>
         </p:txBody>
       </p:sp>
@@ -3431,38 +3387,37 @@
           <a:p>
             <a:pPr lvl="0"/>
             <a:r>
-              <a:rPr lang="zh-CN" altLang="en-US" smtClean="0"/>
+              <a:rPr lang="zh-CN" altLang="en-US"/>
               <a:t>单击此处编辑母版文本样式</a:t>
             </a:r>
           </a:p>
           <a:p>
             <a:pPr lvl="1"/>
             <a:r>
-              <a:rPr lang="zh-CN" altLang="en-US" smtClean="0"/>
+              <a:rPr lang="zh-CN" altLang="en-US"/>
               <a:t>第二级</a:t>
             </a:r>
           </a:p>
           <a:p>
             <a:pPr lvl="2"/>
             <a:r>
-              <a:rPr lang="zh-CN" altLang="en-US" smtClean="0"/>
+              <a:rPr lang="zh-CN" altLang="en-US"/>
               <a:t>第三级</a:t>
             </a:r>
           </a:p>
           <a:p>
             <a:pPr lvl="3"/>
             <a:r>
-              <a:rPr lang="zh-CN" altLang="en-US" smtClean="0"/>
+              <a:rPr lang="zh-CN" altLang="en-US"/>
               <a:t>第四级</a:t>
             </a:r>
           </a:p>
           <a:p>
             <a:pPr lvl="4"/>
             <a:r>
-              <a:rPr lang="zh-CN" altLang="en-US" smtClean="0"/>
+              <a:rPr lang="zh-CN" altLang="en-US"/>
               <a:t>第五级</a:t>
             </a:r>
-            <a:endParaRPr lang="zh-CN" altLang="en-US"/>
           </a:p>
         </p:txBody>
       </p:sp>
@@ -3483,7 +3438,7 @@
           <a:p>
             <a:fld id="{EF50BAF8-1120-4869-B1EC-9D010EF77D65}" type="datetimeFigureOut">
               <a:rPr lang="zh-CN" altLang="en-US" smtClean="0"/>
-              <a:t>2021/11/7</a:t>
+              <a:t>2021/11/15</a:t>
             </a:fld>
             <a:endParaRPr lang="zh-CN" altLang="en-US"/>
           </a:p>
@@ -3541,13 +3496,6 @@
   <p:clrMapOvr>
     <a:masterClrMapping/>
   </p:clrMapOvr>
-  <p:timing>
-    <p:tnLst>
-      <p:par>
-        <p:cTn id="1" dur="indefinite" restart="never" nodeType="tmRoot"/>
-      </p:par>
-    </p:tnLst>
-  </p:timing>
 </p:sldLayout>
 </file>
 
@@ -3593,10 +3541,9 @@
           </a:lstStyle>
           <a:p>
             <a:r>
-              <a:rPr lang="zh-CN" altLang="en-US" smtClean="0"/>
+              <a:rPr lang="zh-CN" altLang="en-US"/>
               <a:t>单击此处编辑母版标题样式</a:t>
             </a:r>
-            <a:endParaRPr lang="zh-CN" altLang="en-US"/>
           </a:p>
         </p:txBody>
       </p:sp>
@@ -3650,38 +3597,37 @@
           <a:p>
             <a:pPr lvl="0"/>
             <a:r>
-              <a:rPr lang="zh-CN" altLang="en-US" smtClean="0"/>
+              <a:rPr lang="zh-CN" altLang="en-US"/>
               <a:t>单击此处编辑母版文本样式</a:t>
             </a:r>
           </a:p>
           <a:p>
             <a:pPr lvl="1"/>
             <a:r>
-              <a:rPr lang="zh-CN" altLang="en-US" smtClean="0"/>
+              <a:rPr lang="zh-CN" altLang="en-US"/>
               <a:t>二级</a:t>
             </a:r>
           </a:p>
           <a:p>
             <a:pPr lvl="2"/>
             <a:r>
-              <a:rPr lang="zh-CN" altLang="en-US" smtClean="0"/>
+              <a:rPr lang="zh-CN" altLang="en-US"/>
               <a:t>三级</a:t>
             </a:r>
           </a:p>
           <a:p>
             <a:pPr lvl="3"/>
             <a:r>
-              <a:rPr lang="zh-CN" altLang="en-US" smtClean="0"/>
+              <a:rPr lang="zh-CN" altLang="en-US"/>
               <a:t>四级</a:t>
             </a:r>
           </a:p>
           <a:p>
             <a:pPr lvl="4"/>
             <a:r>
-              <a:rPr lang="zh-CN" altLang="en-US" smtClean="0"/>
+              <a:rPr lang="zh-CN" altLang="en-US"/>
               <a:t>五级</a:t>
             </a:r>
-            <a:endParaRPr lang="zh-CN" altLang="en-US"/>
           </a:p>
         </p:txBody>
       </p:sp>
@@ -3744,7 +3690,7 @@
           <a:p>
             <a:pPr lvl="0"/>
             <a:r>
-              <a:rPr lang="zh-CN" altLang="en-US" smtClean="0"/>
+              <a:rPr lang="zh-CN" altLang="en-US"/>
               <a:t>单击此处编辑母版文本样式</a:t>
             </a:r>
           </a:p>
@@ -3767,7 +3713,7 @@
           <a:p>
             <a:fld id="{530820CF-B880-4189-942D-D702A7CBA730}" type="datetimeFigureOut">
               <a:rPr lang="zh-CN" altLang="en-US" smtClean="0"/>
-              <a:t>2021/11/7</a:t>
+              <a:t>2021/11/15</a:t>
             </a:fld>
             <a:endParaRPr lang="zh-CN" altLang="en-US"/>
           </a:p>
@@ -3865,10 +3811,9 @@
           </a:lstStyle>
           <a:p>
             <a:r>
-              <a:rPr lang="zh-CN" altLang="en-US" smtClean="0"/>
+              <a:rPr lang="zh-CN" altLang="en-US"/>
               <a:t>单击此处编辑母版标题样式</a:t>
             </a:r>
-            <a:endParaRPr lang="zh-CN" altLang="en-US"/>
           </a:p>
         </p:txBody>
       </p:sp>
@@ -3930,10 +3875,9 @@
           </a:lstStyle>
           <a:p>
             <a:r>
-              <a:rPr lang="zh-CN" altLang="en-US" smtClean="0"/>
+              <a:rPr lang="zh-CN" altLang="en-US"/>
               <a:t>将图片拖动到占位符，或单击添加图标</a:t>
             </a:r>
-            <a:endParaRPr lang="zh-CN" altLang="en-US"/>
           </a:p>
         </p:txBody>
       </p:sp>
@@ -3996,7 +3940,7 @@
           <a:p>
             <a:pPr lvl="0"/>
             <a:r>
-              <a:rPr lang="zh-CN" altLang="en-US" smtClean="0"/>
+              <a:rPr lang="zh-CN" altLang="en-US"/>
               <a:t>单击此处编辑母版文本样式</a:t>
             </a:r>
           </a:p>
@@ -4019,7 +3963,7 @@
           <a:p>
             <a:fld id="{530820CF-B880-4189-942D-D702A7CBA730}" type="datetimeFigureOut">
               <a:rPr lang="zh-CN" altLang="en-US" smtClean="0"/>
-              <a:t>2021/11/7</a:t>
+              <a:t>2021/11/15</a:t>
             </a:fld>
             <a:endParaRPr lang="zh-CN" altLang="en-US"/>
           </a:p>
@@ -4108,10 +4052,9 @@
           <a:lstStyle/>
           <a:p>
             <a:r>
-              <a:rPr lang="zh-CN" altLang="en-US" smtClean="0"/>
+              <a:rPr lang="zh-CN" altLang="en-US"/>
               <a:t>单击此处编辑母版标题样式</a:t>
             </a:r>
-            <a:endParaRPr lang="zh-CN" altLang="en-US"/>
           </a:p>
         </p:txBody>
       </p:sp>
@@ -4132,38 +4075,37 @@
           <a:p>
             <a:pPr lvl="0"/>
             <a:r>
-              <a:rPr lang="zh-CN" altLang="en-US" smtClean="0"/>
+              <a:rPr lang="zh-CN" altLang="en-US"/>
               <a:t>单击此处编辑母版文本样式</a:t>
             </a:r>
           </a:p>
           <a:p>
             <a:pPr lvl="1"/>
             <a:r>
-              <a:rPr lang="zh-CN" altLang="en-US" smtClean="0"/>
+              <a:rPr lang="zh-CN" altLang="en-US"/>
               <a:t>二级</a:t>
             </a:r>
           </a:p>
           <a:p>
             <a:pPr lvl="2"/>
             <a:r>
-              <a:rPr lang="zh-CN" altLang="en-US" smtClean="0"/>
+              <a:rPr lang="zh-CN" altLang="en-US"/>
               <a:t>三级</a:t>
             </a:r>
           </a:p>
           <a:p>
             <a:pPr lvl="3"/>
             <a:r>
-              <a:rPr lang="zh-CN" altLang="en-US" smtClean="0"/>
+              <a:rPr lang="zh-CN" altLang="en-US"/>
               <a:t>四级</a:t>
             </a:r>
           </a:p>
           <a:p>
             <a:pPr lvl="4"/>
             <a:r>
-              <a:rPr lang="zh-CN" altLang="en-US" smtClean="0"/>
+              <a:rPr lang="zh-CN" altLang="en-US"/>
               <a:t>五级</a:t>
             </a:r>
-            <a:endParaRPr lang="zh-CN" altLang="en-US"/>
           </a:p>
         </p:txBody>
       </p:sp>
@@ -4184,7 +4126,7 @@
           <a:p>
             <a:fld id="{530820CF-B880-4189-942D-D702A7CBA730}" type="datetimeFigureOut">
               <a:rPr lang="zh-CN" altLang="en-US" smtClean="0"/>
-              <a:t>2021/11/7</a:t>
+              <a:t>2021/11/15</a:t>
             </a:fld>
             <a:endParaRPr lang="zh-CN" altLang="en-US"/>
           </a:p>
@@ -4278,10 +4220,9 @@
           <a:lstStyle/>
           <a:p>
             <a:r>
-              <a:rPr lang="zh-CN" altLang="en-US" smtClean="0"/>
+              <a:rPr lang="zh-CN" altLang="en-US"/>
               <a:t>单击此处编辑母版标题样式</a:t>
             </a:r>
-            <a:endParaRPr lang="zh-CN" altLang="en-US"/>
           </a:p>
         </p:txBody>
       </p:sp>
@@ -4307,38 +4248,37 @@
           <a:p>
             <a:pPr lvl="0"/>
             <a:r>
-              <a:rPr lang="zh-CN" altLang="en-US" smtClean="0"/>
+              <a:rPr lang="zh-CN" altLang="en-US"/>
               <a:t>单击此处编辑母版文本样式</a:t>
             </a:r>
           </a:p>
           <a:p>
             <a:pPr lvl="1"/>
             <a:r>
-              <a:rPr lang="zh-CN" altLang="en-US" smtClean="0"/>
+              <a:rPr lang="zh-CN" altLang="en-US"/>
               <a:t>二级</a:t>
             </a:r>
           </a:p>
           <a:p>
             <a:pPr lvl="2"/>
             <a:r>
-              <a:rPr lang="zh-CN" altLang="en-US" smtClean="0"/>
+              <a:rPr lang="zh-CN" altLang="en-US"/>
               <a:t>三级</a:t>
             </a:r>
           </a:p>
           <a:p>
             <a:pPr lvl="3"/>
             <a:r>
-              <a:rPr lang="zh-CN" altLang="en-US" smtClean="0"/>
+              <a:rPr lang="zh-CN" altLang="en-US"/>
               <a:t>四级</a:t>
             </a:r>
           </a:p>
           <a:p>
             <a:pPr lvl="4"/>
             <a:r>
-              <a:rPr lang="zh-CN" altLang="en-US" smtClean="0"/>
+              <a:rPr lang="zh-CN" altLang="en-US"/>
               <a:t>五级</a:t>
             </a:r>
-            <a:endParaRPr lang="zh-CN" altLang="en-US"/>
           </a:p>
         </p:txBody>
       </p:sp>
@@ -4359,7 +4299,7 @@
           <a:p>
             <a:fld id="{530820CF-B880-4189-942D-D702A7CBA730}" type="datetimeFigureOut">
               <a:rPr lang="zh-CN" altLang="en-US" smtClean="0"/>
-              <a:t>2021/11/7</a:t>
+              <a:t>2021/11/15</a:t>
             </a:fld>
             <a:endParaRPr lang="zh-CN" altLang="en-US"/>
           </a:p>
@@ -4412,13 +4352,6 @@
   <p:clrMapOvr>
     <a:masterClrMapping/>
   </p:clrMapOvr>
-  <p:timing>
-    <p:tnLst>
-      <p:par>
-        <p:cTn id="1" dur="indefinite" restart="never" nodeType="tmRoot"/>
-      </p:par>
-    </p:tnLst>
-  </p:timing>
 </p:sldLayout>
 </file>
 
@@ -4460,10 +4393,9 @@
           <a:lstStyle/>
           <a:p>
             <a:r>
-              <a:rPr lang="zh-CN" altLang="en-US" smtClean="0"/>
+              <a:rPr lang="zh-CN" altLang="en-US"/>
               <a:t>单击此处编辑母版标题样式</a:t>
             </a:r>
-            <a:endParaRPr lang="zh-CN" altLang="en-US"/>
           </a:p>
         </p:txBody>
       </p:sp>
@@ -4579,10 +4511,9 @@
           </a:lstStyle>
           <a:p>
             <a:r>
-              <a:rPr lang="zh-CN" altLang="en-US" smtClean="0"/>
+              <a:rPr lang="zh-CN" altLang="en-US"/>
               <a:t>单击此处编辑母版副标题样式</a:t>
             </a:r>
-            <a:endParaRPr lang="zh-CN" altLang="en-US"/>
           </a:p>
         </p:txBody>
       </p:sp>
@@ -4603,7 +4534,7 @@
           <a:p>
             <a:fld id="{EF50BAF8-1120-4869-B1EC-9D010EF77D65}" type="datetimeFigureOut">
               <a:rPr lang="zh-CN" altLang="en-US" smtClean="0"/>
-              <a:t>2021/11/7</a:t>
+              <a:t>2021/11/15</a:t>
             </a:fld>
             <a:endParaRPr lang="zh-CN" altLang="en-US"/>
           </a:p>
@@ -4661,13 +4592,6 @@
   <p:clrMapOvr>
     <a:masterClrMapping/>
   </p:clrMapOvr>
-  <p:timing>
-    <p:tnLst>
-      <p:par>
-        <p:cTn id="1" dur="indefinite" restart="never" nodeType="tmRoot"/>
-      </p:par>
-    </p:tnLst>
-  </p:timing>
 </p:sldLayout>
 </file>
 
@@ -4708,10 +4632,9 @@
           </a:lstStyle>
           <a:p>
             <a:r>
-              <a:rPr lang="zh-CN" altLang="en-US" dirty="0" smtClean="0"/>
+              <a:rPr lang="zh-CN" altLang="en-US" dirty="0"/>
               <a:t>目录</a:t>
             </a:r>
-            <a:endParaRPr lang="zh-CN" altLang="en-US" dirty="0"/>
           </a:p>
         </p:txBody>
       </p:sp>
@@ -4732,38 +4655,37 @@
           <a:p>
             <a:pPr lvl="0"/>
             <a:r>
-              <a:rPr lang="zh-CN" altLang="en-US" smtClean="0"/>
+              <a:rPr lang="zh-CN" altLang="en-US"/>
               <a:t>单击此处编辑母版文本样式</a:t>
             </a:r>
           </a:p>
           <a:p>
             <a:pPr lvl="1"/>
             <a:r>
-              <a:rPr lang="zh-CN" altLang="en-US" smtClean="0"/>
+              <a:rPr lang="zh-CN" altLang="en-US"/>
               <a:t>二级</a:t>
             </a:r>
           </a:p>
           <a:p>
             <a:pPr lvl="2"/>
             <a:r>
-              <a:rPr lang="zh-CN" altLang="en-US" smtClean="0"/>
+              <a:rPr lang="zh-CN" altLang="en-US"/>
               <a:t>三级</a:t>
             </a:r>
           </a:p>
           <a:p>
             <a:pPr lvl="3"/>
             <a:r>
-              <a:rPr lang="zh-CN" altLang="en-US" smtClean="0"/>
+              <a:rPr lang="zh-CN" altLang="en-US"/>
               <a:t>四级</a:t>
             </a:r>
           </a:p>
           <a:p>
             <a:pPr lvl="4"/>
             <a:r>
-              <a:rPr lang="zh-CN" altLang="en-US" smtClean="0"/>
+              <a:rPr lang="zh-CN" altLang="en-US"/>
               <a:t>五级</a:t>
             </a:r>
-            <a:endParaRPr lang="zh-CN" altLang="en-US"/>
           </a:p>
         </p:txBody>
       </p:sp>
@@ -4784,7 +4706,7 @@
           <a:p>
             <a:fld id="{EF50BAF8-1120-4869-B1EC-9D010EF77D65}" type="datetimeFigureOut">
               <a:rPr lang="zh-CN" altLang="en-US" smtClean="0"/>
-              <a:t>2021/11/7</a:t>
+              <a:t>2021/11/15</a:t>
             </a:fld>
             <a:endParaRPr lang="zh-CN" altLang="en-US"/>
           </a:p>
@@ -4842,13 +4764,6 @@
   <p:clrMapOvr>
     <a:masterClrMapping/>
   </p:clrMapOvr>
-  <p:timing>
-    <p:tnLst>
-      <p:par>
-        <p:cTn id="1" dur="indefinite" restart="never" nodeType="tmRoot"/>
-      </p:par>
-    </p:tnLst>
-  </p:timing>
 </p:sldLayout>
 </file>
 
@@ -4894,10 +4809,9 @@
           </a:lstStyle>
           <a:p>
             <a:r>
-              <a:rPr lang="zh-CN" altLang="en-US" smtClean="0"/>
+              <a:rPr lang="zh-CN" altLang="en-US"/>
               <a:t>单击此处编辑母版标题样式</a:t>
             </a:r>
-            <a:endParaRPr lang="zh-CN" altLang="en-US"/>
           </a:p>
         </p:txBody>
       </p:sp>
@@ -5014,7 +4928,7 @@
           <a:p>
             <a:pPr lvl="0"/>
             <a:r>
-              <a:rPr lang="zh-CN" altLang="en-US" smtClean="0"/>
+              <a:rPr lang="zh-CN" altLang="en-US"/>
               <a:t>单击此处编辑母版文本样式</a:t>
             </a:r>
           </a:p>
@@ -5037,7 +4951,7 @@
           <a:p>
             <a:fld id="{EF50BAF8-1120-4869-B1EC-9D010EF77D65}" type="datetimeFigureOut">
               <a:rPr lang="zh-CN" altLang="en-US" smtClean="0"/>
-              <a:t>2021/11/7</a:t>
+              <a:t>2021/11/15</a:t>
             </a:fld>
             <a:endParaRPr lang="zh-CN" altLang="en-US"/>
           </a:p>
@@ -5095,13 +5009,6 @@
   <p:clrMapOvr>
     <a:masterClrMapping/>
   </p:clrMapOvr>
-  <p:timing>
-    <p:tnLst>
-      <p:par>
-        <p:cTn id="1" dur="indefinite" restart="never" nodeType="tmRoot"/>
-      </p:par>
-    </p:tnLst>
-  </p:timing>
 </p:sldLayout>
 </file>
 
@@ -5138,10 +5045,9 @@
           <a:lstStyle/>
           <a:p>
             <a:r>
-              <a:rPr lang="zh-CN" altLang="en-US" smtClean="0"/>
+              <a:rPr lang="zh-CN" altLang="en-US"/>
               <a:t>单击此处编辑母版标题样式</a:t>
             </a:r>
-            <a:endParaRPr lang="zh-CN" altLang="en-US"/>
           </a:p>
         </p:txBody>
       </p:sp>
@@ -5195,38 +5101,37 @@
           <a:p>
             <a:pPr lvl="0"/>
             <a:r>
-              <a:rPr lang="zh-CN" altLang="en-US" smtClean="0"/>
+              <a:rPr lang="zh-CN" altLang="en-US"/>
               <a:t>单击此处编辑母版文本样式</a:t>
             </a:r>
           </a:p>
           <a:p>
             <a:pPr lvl="1"/>
             <a:r>
-              <a:rPr lang="zh-CN" altLang="en-US" smtClean="0"/>
+              <a:rPr lang="zh-CN" altLang="en-US"/>
               <a:t>二级</a:t>
             </a:r>
           </a:p>
           <a:p>
             <a:pPr lvl="2"/>
             <a:r>
-              <a:rPr lang="zh-CN" altLang="en-US" smtClean="0"/>
+              <a:rPr lang="zh-CN" altLang="en-US"/>
               <a:t>三级</a:t>
             </a:r>
           </a:p>
           <a:p>
             <a:pPr lvl="3"/>
             <a:r>
-              <a:rPr lang="zh-CN" altLang="en-US" smtClean="0"/>
+              <a:rPr lang="zh-CN" altLang="en-US"/>
               <a:t>四级</a:t>
             </a:r>
           </a:p>
           <a:p>
             <a:pPr lvl="4"/>
             <a:r>
-              <a:rPr lang="zh-CN" altLang="en-US" smtClean="0"/>
+              <a:rPr lang="zh-CN" altLang="en-US"/>
               <a:t>五级</a:t>
             </a:r>
-            <a:endParaRPr lang="zh-CN" altLang="en-US"/>
           </a:p>
         </p:txBody>
       </p:sp>
@@ -5280,38 +5185,37 @@
           <a:p>
             <a:pPr lvl="0"/>
             <a:r>
-              <a:rPr lang="zh-CN" altLang="en-US" smtClean="0"/>
+              <a:rPr lang="zh-CN" altLang="en-US"/>
               <a:t>单击此处编辑母版文本样式</a:t>
             </a:r>
           </a:p>
           <a:p>
             <a:pPr lvl="1"/>
             <a:r>
-              <a:rPr lang="zh-CN" altLang="en-US" smtClean="0"/>
+              <a:rPr lang="zh-CN" altLang="en-US"/>
               <a:t>二级</a:t>
             </a:r>
           </a:p>
           <a:p>
             <a:pPr lvl="2"/>
             <a:r>
-              <a:rPr lang="zh-CN" altLang="en-US" smtClean="0"/>
+              <a:rPr lang="zh-CN" altLang="en-US"/>
               <a:t>三级</a:t>
             </a:r>
           </a:p>
           <a:p>
             <a:pPr lvl="3"/>
             <a:r>
-              <a:rPr lang="zh-CN" altLang="en-US" smtClean="0"/>
+              <a:rPr lang="zh-CN" altLang="en-US"/>
               <a:t>四级</a:t>
             </a:r>
           </a:p>
           <a:p>
             <a:pPr lvl="4"/>
             <a:r>
-              <a:rPr lang="zh-CN" altLang="en-US" smtClean="0"/>
+              <a:rPr lang="zh-CN" altLang="en-US"/>
               <a:t>五级</a:t>
             </a:r>
-            <a:endParaRPr lang="zh-CN" altLang="en-US"/>
           </a:p>
         </p:txBody>
       </p:sp>
@@ -5332,7 +5236,7 @@
           <a:p>
             <a:fld id="{EF50BAF8-1120-4869-B1EC-9D010EF77D65}" type="datetimeFigureOut">
               <a:rPr lang="zh-CN" altLang="en-US" smtClean="0"/>
-              <a:t>2021/11/7</a:t>
+              <a:t>2021/11/15</a:t>
             </a:fld>
             <a:endParaRPr lang="zh-CN" altLang="en-US"/>
           </a:p>
@@ -5390,13 +5294,6 @@
   <p:clrMapOvr>
     <a:masterClrMapping/>
   </p:clrMapOvr>
-  <p:timing>
-    <p:tnLst>
-      <p:par>
-        <p:cTn id="1" dur="indefinite" restart="never" nodeType="tmRoot"/>
-      </p:par>
-    </p:tnLst>
-  </p:timing>
 </p:sldLayout>
 </file>
 
@@ -5437,10 +5334,9 @@
           </a:lstStyle>
           <a:p>
             <a:r>
-              <a:rPr lang="zh-CN" altLang="en-US" smtClean="0"/>
+              <a:rPr lang="zh-CN" altLang="en-US"/>
               <a:t>单击此处编辑母版标题样式</a:t>
             </a:r>
-            <a:endParaRPr lang="zh-CN" altLang="en-US"/>
           </a:p>
         </p:txBody>
       </p:sp>
@@ -5503,7 +5399,7 @@
           <a:p>
             <a:pPr lvl="0"/>
             <a:r>
-              <a:rPr lang="zh-CN" altLang="en-US" smtClean="0"/>
+              <a:rPr lang="zh-CN" altLang="en-US"/>
               <a:t>单击此处编辑母版文本样式</a:t>
             </a:r>
           </a:p>
@@ -5559,38 +5455,37 @@
           <a:p>
             <a:pPr lvl="0"/>
             <a:r>
-              <a:rPr lang="zh-CN" altLang="en-US" smtClean="0"/>
+              <a:rPr lang="zh-CN" altLang="en-US"/>
               <a:t>单击此处编辑母版文本样式</a:t>
             </a:r>
           </a:p>
           <a:p>
             <a:pPr lvl="1"/>
             <a:r>
-              <a:rPr lang="zh-CN" altLang="en-US" smtClean="0"/>
+              <a:rPr lang="zh-CN" altLang="en-US"/>
               <a:t>二级</a:t>
             </a:r>
           </a:p>
           <a:p>
             <a:pPr lvl="2"/>
             <a:r>
-              <a:rPr lang="zh-CN" altLang="en-US" smtClean="0"/>
+              <a:rPr lang="zh-CN" altLang="en-US"/>
               <a:t>三级</a:t>
             </a:r>
           </a:p>
           <a:p>
             <a:pPr lvl="3"/>
             <a:r>
-              <a:rPr lang="zh-CN" altLang="en-US" smtClean="0"/>
+              <a:rPr lang="zh-CN" altLang="en-US"/>
               <a:t>四级</a:t>
             </a:r>
           </a:p>
           <a:p>
             <a:pPr lvl="4"/>
             <a:r>
-              <a:rPr lang="zh-CN" altLang="en-US" smtClean="0"/>
+              <a:rPr lang="zh-CN" altLang="en-US"/>
               <a:t>五级</a:t>
             </a:r>
-            <a:endParaRPr lang="zh-CN" altLang="en-US"/>
           </a:p>
         </p:txBody>
       </p:sp>
@@ -5653,7 +5548,7 @@
           <a:p>
             <a:pPr lvl="0"/>
             <a:r>
-              <a:rPr lang="zh-CN" altLang="en-US" smtClean="0"/>
+              <a:rPr lang="zh-CN" altLang="en-US"/>
               <a:t>单击此处编辑母版文本样式</a:t>
             </a:r>
           </a:p>
@@ -5709,38 +5604,37 @@
           <a:p>
             <a:pPr lvl="0"/>
             <a:r>
-              <a:rPr lang="zh-CN" altLang="en-US" smtClean="0"/>
+              <a:rPr lang="zh-CN" altLang="en-US"/>
               <a:t>单击此处编辑母版文本样式</a:t>
             </a:r>
           </a:p>
           <a:p>
             <a:pPr lvl="1"/>
             <a:r>
-              <a:rPr lang="zh-CN" altLang="en-US" smtClean="0"/>
+              <a:rPr lang="zh-CN" altLang="en-US"/>
               <a:t>二级</a:t>
             </a:r>
           </a:p>
           <a:p>
             <a:pPr lvl="2"/>
             <a:r>
-              <a:rPr lang="zh-CN" altLang="en-US" smtClean="0"/>
+              <a:rPr lang="zh-CN" altLang="en-US"/>
               <a:t>三级</a:t>
             </a:r>
           </a:p>
           <a:p>
             <a:pPr lvl="3"/>
             <a:r>
-              <a:rPr lang="zh-CN" altLang="en-US" smtClean="0"/>
+              <a:rPr lang="zh-CN" altLang="en-US"/>
               <a:t>四级</a:t>
             </a:r>
           </a:p>
           <a:p>
             <a:pPr lvl="4"/>
             <a:r>
-              <a:rPr lang="zh-CN" altLang="en-US" smtClean="0"/>
+              <a:rPr lang="zh-CN" altLang="en-US"/>
               <a:t>五级</a:t>
             </a:r>
-            <a:endParaRPr lang="zh-CN" altLang="en-US"/>
           </a:p>
         </p:txBody>
       </p:sp>
@@ -5761,7 +5655,7 @@
           <a:p>
             <a:fld id="{EF50BAF8-1120-4869-B1EC-9D010EF77D65}" type="datetimeFigureOut">
               <a:rPr lang="zh-CN" altLang="en-US" smtClean="0"/>
-              <a:t>2021/11/7</a:t>
+              <a:t>2021/11/15</a:t>
             </a:fld>
             <a:endParaRPr lang="zh-CN" altLang="en-US"/>
           </a:p>
@@ -5855,10 +5749,9 @@
           <a:lstStyle/>
           <a:p>
             <a:r>
-              <a:rPr lang="zh-CN" altLang="en-US" smtClean="0"/>
+              <a:rPr lang="zh-CN" altLang="en-US"/>
               <a:t>单击此处编辑母版标题样式</a:t>
             </a:r>
-            <a:endParaRPr lang="zh-CN" altLang="en-US"/>
           </a:p>
         </p:txBody>
       </p:sp>
@@ -5879,7 +5772,7 @@
           <a:p>
             <a:fld id="{EF50BAF8-1120-4869-B1EC-9D010EF77D65}" type="datetimeFigureOut">
               <a:rPr lang="zh-CN" altLang="en-US" smtClean="0"/>
-              <a:t>2021/11/7</a:t>
+              <a:t>2021/11/15</a:t>
             </a:fld>
             <a:endParaRPr lang="zh-CN" altLang="en-US"/>
           </a:p>
@@ -5982,10 +5875,9 @@
           </a:lstStyle>
           <a:p>
             <a:r>
-              <a:rPr lang="zh-CN" altLang="en-US" smtClean="0"/>
+              <a:rPr lang="zh-CN" altLang="en-US"/>
               <a:t>单击此处编辑母版标题样式</a:t>
             </a:r>
-            <a:endParaRPr lang="zh-CN" altLang="en-US"/>
           </a:p>
         </p:txBody>
       </p:sp>
@@ -6102,7 +5994,7 @@
           <a:p>
             <a:pPr lvl="0"/>
             <a:r>
-              <a:rPr lang="zh-CN" altLang="en-US" smtClean="0"/>
+              <a:rPr lang="zh-CN" altLang="en-US"/>
               <a:t>单击此处编辑母版文本样式</a:t>
             </a:r>
           </a:p>
@@ -6125,7 +6017,7 @@
           <a:p>
             <a:fld id="{EF50BAF8-1120-4869-B1EC-9D010EF77D65}" type="datetimeFigureOut">
               <a:rPr lang="zh-CN" altLang="en-US" smtClean="0"/>
-              <a:t>2021/11/7</a:t>
+              <a:t>2021/11/15</a:t>
             </a:fld>
             <a:endParaRPr lang="zh-CN" altLang="en-US"/>
           </a:p>
@@ -6183,13 +6075,6 @@
   <p:clrMapOvr>
     <a:masterClrMapping/>
   </p:clrMapOvr>
-  <p:timing>
-    <p:tnLst>
-      <p:par>
-        <p:cTn id="1" dur="indefinite" restart="never" nodeType="tmRoot"/>
-      </p:par>
-    </p:tnLst>
-  </p:timing>
 </p:sldLayout>
 </file>
 
@@ -6227,7 +6112,7 @@
           <a:p>
             <a:fld id="{EF50BAF8-1120-4869-B1EC-9D010EF77D65}" type="datetimeFigureOut">
               <a:rPr lang="zh-CN" altLang="en-US" smtClean="0"/>
-              <a:t>2021/11/7</a:t>
+              <a:t>2021/11/15</a:t>
             </a:fld>
             <a:endParaRPr lang="zh-CN" altLang="en-US"/>
           </a:p>
@@ -6330,10 +6215,9 @@
           </a:lstStyle>
           <a:p>
             <a:r>
-              <a:rPr lang="zh-CN" altLang="en-US" smtClean="0"/>
+              <a:rPr lang="zh-CN" altLang="en-US"/>
               <a:t>单击此处编辑母版标题样式</a:t>
             </a:r>
-            <a:endParaRPr lang="zh-CN" altLang="en-US"/>
           </a:p>
         </p:txBody>
       </p:sp>
@@ -6387,38 +6271,37 @@
           <a:p>
             <a:pPr lvl="0"/>
             <a:r>
-              <a:rPr lang="zh-CN" altLang="en-US" smtClean="0"/>
+              <a:rPr lang="zh-CN" altLang="en-US"/>
               <a:t>单击此处编辑母版文本样式</a:t>
             </a:r>
           </a:p>
           <a:p>
             <a:pPr lvl="1"/>
             <a:r>
-              <a:rPr lang="zh-CN" altLang="en-US" smtClean="0"/>
+              <a:rPr lang="zh-CN" altLang="en-US"/>
               <a:t>二级</a:t>
             </a:r>
           </a:p>
           <a:p>
             <a:pPr lvl="2"/>
             <a:r>
-              <a:rPr lang="zh-CN" altLang="en-US" smtClean="0"/>
+              <a:rPr lang="zh-CN" altLang="en-US"/>
               <a:t>三级</a:t>
             </a:r>
           </a:p>
           <a:p>
             <a:pPr lvl="3"/>
             <a:r>
-              <a:rPr lang="zh-CN" altLang="en-US" smtClean="0"/>
+              <a:rPr lang="zh-CN" altLang="en-US"/>
               <a:t>四级</a:t>
             </a:r>
           </a:p>
           <a:p>
             <a:pPr lvl="4"/>
             <a:r>
-              <a:rPr lang="zh-CN" altLang="en-US" smtClean="0"/>
+              <a:rPr lang="zh-CN" altLang="en-US"/>
               <a:t>五级</a:t>
             </a:r>
-            <a:endParaRPr lang="zh-CN" altLang="en-US"/>
           </a:p>
         </p:txBody>
       </p:sp>
@@ -6481,7 +6364,7 @@
           <a:p>
             <a:pPr lvl="0"/>
             <a:r>
-              <a:rPr lang="zh-CN" altLang="en-US" smtClean="0"/>
+              <a:rPr lang="zh-CN" altLang="en-US"/>
               <a:t>单击此处编辑母版文本样式</a:t>
             </a:r>
           </a:p>
@@ -6504,7 +6387,7 @@
           <a:p>
             <a:fld id="{EF50BAF8-1120-4869-B1EC-9D010EF77D65}" type="datetimeFigureOut">
               <a:rPr lang="zh-CN" altLang="en-US" smtClean="0"/>
-              <a:t>2021/11/7</a:t>
+              <a:t>2021/11/15</a:t>
             </a:fld>
             <a:endParaRPr lang="zh-CN" altLang="en-US"/>
           </a:p>
@@ -6607,10 +6490,9 @@
           </a:lstStyle>
           <a:p>
             <a:r>
-              <a:rPr lang="zh-CN" altLang="en-US" smtClean="0"/>
+              <a:rPr lang="zh-CN" altLang="en-US"/>
               <a:t>单击此处编辑母版标题样式</a:t>
             </a:r>
-            <a:endParaRPr lang="zh-CN" altLang="en-US"/>
           </a:p>
         </p:txBody>
       </p:sp>
@@ -6672,10 +6554,9 @@
           </a:lstStyle>
           <a:p>
             <a:r>
-              <a:rPr lang="zh-CN" altLang="en-US" smtClean="0"/>
+              <a:rPr lang="zh-CN" altLang="en-US"/>
               <a:t>将图片拖动到占位符，或单击添加图标</a:t>
             </a:r>
-            <a:endParaRPr lang="zh-CN" altLang="en-US"/>
           </a:p>
         </p:txBody>
       </p:sp>
@@ -6738,7 +6619,7 @@
           <a:p>
             <a:pPr lvl="0"/>
             <a:r>
-              <a:rPr lang="zh-CN" altLang="en-US" smtClean="0"/>
+              <a:rPr lang="zh-CN" altLang="en-US"/>
               <a:t>单击此处编辑母版文本样式</a:t>
             </a:r>
           </a:p>
@@ -6761,7 +6642,7 @@
           <a:p>
             <a:fld id="{EF50BAF8-1120-4869-B1EC-9D010EF77D65}" type="datetimeFigureOut">
               <a:rPr lang="zh-CN" altLang="en-US" smtClean="0"/>
-              <a:t>2021/11/7</a:t>
+              <a:t>2021/11/15</a:t>
             </a:fld>
             <a:endParaRPr lang="zh-CN" altLang="en-US"/>
           </a:p>
@@ -6855,10 +6736,9 @@
           <a:lstStyle/>
           <a:p>
             <a:r>
-              <a:rPr lang="zh-CN" altLang="en-US" smtClean="0"/>
+              <a:rPr lang="zh-CN" altLang="en-US"/>
               <a:t>单击此处编辑母版标题样式</a:t>
             </a:r>
-            <a:endParaRPr lang="zh-CN" altLang="en-US"/>
           </a:p>
         </p:txBody>
       </p:sp>
@@ -6879,38 +6759,37 @@
           <a:p>
             <a:pPr lvl="0"/>
             <a:r>
-              <a:rPr lang="zh-CN" altLang="en-US" smtClean="0"/>
+              <a:rPr lang="zh-CN" altLang="en-US"/>
               <a:t>单击此处编辑母版文本样式</a:t>
             </a:r>
           </a:p>
           <a:p>
             <a:pPr lvl="1"/>
             <a:r>
-              <a:rPr lang="zh-CN" altLang="en-US" smtClean="0"/>
+              <a:rPr lang="zh-CN" altLang="en-US"/>
               <a:t>二级</a:t>
             </a:r>
           </a:p>
           <a:p>
             <a:pPr lvl="2"/>
             <a:r>
-              <a:rPr lang="zh-CN" altLang="en-US" smtClean="0"/>
+              <a:rPr lang="zh-CN" altLang="en-US"/>
               <a:t>三级</a:t>
             </a:r>
           </a:p>
           <a:p>
             <a:pPr lvl="3"/>
             <a:r>
-              <a:rPr lang="zh-CN" altLang="en-US" smtClean="0"/>
+              <a:rPr lang="zh-CN" altLang="en-US"/>
               <a:t>四级</a:t>
             </a:r>
           </a:p>
           <a:p>
             <a:pPr lvl="4"/>
             <a:r>
-              <a:rPr lang="zh-CN" altLang="en-US" smtClean="0"/>
+              <a:rPr lang="zh-CN" altLang="en-US"/>
               <a:t>五级</a:t>
             </a:r>
-            <a:endParaRPr lang="zh-CN" altLang="en-US"/>
           </a:p>
         </p:txBody>
       </p:sp>
@@ -6931,7 +6810,7 @@
           <a:p>
             <a:fld id="{EF50BAF8-1120-4869-B1EC-9D010EF77D65}" type="datetimeFigureOut">
               <a:rPr lang="zh-CN" altLang="en-US" smtClean="0"/>
-              <a:t>2021/11/7</a:t>
+              <a:t>2021/11/15</a:t>
             </a:fld>
             <a:endParaRPr lang="zh-CN" altLang="en-US"/>
           </a:p>
@@ -7030,10 +6909,9 @@
           <a:lstStyle/>
           <a:p>
             <a:r>
-              <a:rPr lang="zh-CN" altLang="en-US" smtClean="0"/>
+              <a:rPr lang="zh-CN" altLang="en-US"/>
               <a:t>单击此处编辑母版标题样式</a:t>
             </a:r>
-            <a:endParaRPr lang="zh-CN" altLang="en-US"/>
           </a:p>
         </p:txBody>
       </p:sp>
@@ -7059,38 +6937,37 @@
           <a:p>
             <a:pPr lvl="0"/>
             <a:r>
-              <a:rPr lang="zh-CN" altLang="en-US" smtClean="0"/>
+              <a:rPr lang="zh-CN" altLang="en-US"/>
               <a:t>单击此处编辑母版文本样式</a:t>
             </a:r>
           </a:p>
           <a:p>
             <a:pPr lvl="1"/>
             <a:r>
-              <a:rPr lang="zh-CN" altLang="en-US" smtClean="0"/>
+              <a:rPr lang="zh-CN" altLang="en-US"/>
               <a:t>二级</a:t>
             </a:r>
           </a:p>
           <a:p>
             <a:pPr lvl="2"/>
             <a:r>
-              <a:rPr lang="zh-CN" altLang="en-US" smtClean="0"/>
+              <a:rPr lang="zh-CN" altLang="en-US"/>
               <a:t>三级</a:t>
             </a:r>
           </a:p>
           <a:p>
             <a:pPr lvl="3"/>
             <a:r>
-              <a:rPr lang="zh-CN" altLang="en-US" smtClean="0"/>
+              <a:rPr lang="zh-CN" altLang="en-US"/>
               <a:t>四级</a:t>
             </a:r>
           </a:p>
           <a:p>
             <a:pPr lvl="4"/>
             <a:r>
-              <a:rPr lang="zh-CN" altLang="en-US" smtClean="0"/>
+              <a:rPr lang="zh-CN" altLang="en-US"/>
               <a:t>五级</a:t>
             </a:r>
-            <a:endParaRPr lang="zh-CN" altLang="en-US"/>
           </a:p>
         </p:txBody>
       </p:sp>
@@ -7111,7 +6988,7 @@
           <a:p>
             <a:fld id="{EF50BAF8-1120-4869-B1EC-9D010EF77D65}" type="datetimeFigureOut">
               <a:rPr lang="zh-CN" altLang="en-US" smtClean="0"/>
-              <a:t>2021/11/7</a:t>
+              <a:t>2021/11/15</a:t>
             </a:fld>
             <a:endParaRPr lang="zh-CN" altLang="en-US"/>
           </a:p>
@@ -7205,10 +7082,9 @@
           <a:lstStyle/>
           <a:p>
             <a:r>
-              <a:rPr lang="zh-CN" altLang="en-US" smtClean="0"/>
+              <a:rPr lang="zh-CN" altLang="en-US"/>
               <a:t>单击此处编辑母版标题样式</a:t>
             </a:r>
-            <a:endParaRPr lang="zh-CN" altLang="en-US"/>
           </a:p>
         </p:txBody>
       </p:sp>
@@ -7262,38 +7138,37 @@
           <a:p>
             <a:pPr lvl="0"/>
             <a:r>
-              <a:rPr lang="zh-CN" altLang="en-US" smtClean="0"/>
+              <a:rPr lang="zh-CN" altLang="en-US"/>
               <a:t>单击此处编辑母版文本样式</a:t>
             </a:r>
           </a:p>
           <a:p>
             <a:pPr lvl="1"/>
             <a:r>
-              <a:rPr lang="zh-CN" altLang="en-US" smtClean="0"/>
+              <a:rPr lang="zh-CN" altLang="en-US"/>
               <a:t>第二级</a:t>
             </a:r>
           </a:p>
           <a:p>
             <a:pPr lvl="2"/>
             <a:r>
-              <a:rPr lang="zh-CN" altLang="en-US" smtClean="0"/>
+              <a:rPr lang="zh-CN" altLang="en-US"/>
               <a:t>第三级</a:t>
             </a:r>
           </a:p>
           <a:p>
             <a:pPr lvl="3"/>
             <a:r>
-              <a:rPr lang="zh-CN" altLang="en-US" smtClean="0"/>
+              <a:rPr lang="zh-CN" altLang="en-US"/>
               <a:t>第四级</a:t>
             </a:r>
           </a:p>
           <a:p>
             <a:pPr lvl="4"/>
             <a:r>
-              <a:rPr lang="zh-CN" altLang="en-US" smtClean="0"/>
+              <a:rPr lang="zh-CN" altLang="en-US"/>
               <a:t>第五级</a:t>
             </a:r>
-            <a:endParaRPr lang="zh-CN" altLang="en-US"/>
           </a:p>
         </p:txBody>
       </p:sp>
@@ -7347,38 +7222,37 @@
           <a:p>
             <a:pPr lvl="0"/>
             <a:r>
-              <a:rPr lang="zh-CN" altLang="en-US" smtClean="0"/>
+              <a:rPr lang="zh-CN" altLang="en-US"/>
               <a:t>单击此处编辑母版文本样式</a:t>
             </a:r>
           </a:p>
           <a:p>
             <a:pPr lvl="1"/>
             <a:r>
-              <a:rPr lang="zh-CN" altLang="en-US" smtClean="0"/>
+              <a:rPr lang="zh-CN" altLang="en-US"/>
               <a:t>第二级</a:t>
             </a:r>
           </a:p>
           <a:p>
             <a:pPr lvl="2"/>
             <a:r>
-              <a:rPr lang="zh-CN" altLang="en-US" smtClean="0"/>
+              <a:rPr lang="zh-CN" altLang="en-US"/>
               <a:t>第三级</a:t>
             </a:r>
           </a:p>
           <a:p>
             <a:pPr lvl="3"/>
             <a:r>
-              <a:rPr lang="zh-CN" altLang="en-US" smtClean="0"/>
+              <a:rPr lang="zh-CN" altLang="en-US"/>
               <a:t>第四级</a:t>
             </a:r>
           </a:p>
           <a:p>
             <a:pPr lvl="4"/>
             <a:r>
-              <a:rPr lang="zh-CN" altLang="en-US" smtClean="0"/>
+              <a:rPr lang="zh-CN" altLang="en-US"/>
               <a:t>第五级</a:t>
             </a:r>
-            <a:endParaRPr lang="zh-CN" altLang="en-US"/>
           </a:p>
         </p:txBody>
       </p:sp>
@@ -7399,7 +7273,7 @@
           <a:p>
             <a:fld id="{EF50BAF8-1120-4869-B1EC-9D010EF77D65}" type="datetimeFigureOut">
               <a:rPr lang="zh-CN" altLang="en-US" smtClean="0"/>
-              <a:t>2021/11/7</a:t>
+              <a:t>2021/11/15</a:t>
             </a:fld>
             <a:endParaRPr lang="zh-CN" altLang="en-US"/>
           </a:p>
@@ -7457,13 +7331,6 @@
   <p:clrMapOvr>
     <a:masterClrMapping/>
   </p:clrMapOvr>
-  <p:timing>
-    <p:tnLst>
-      <p:par>
-        <p:cTn id="1" dur="indefinite" restart="never" nodeType="tmRoot"/>
-      </p:par>
-    </p:tnLst>
-  </p:timing>
 </p:sldLayout>
 </file>
 
@@ -7504,10 +7371,9 @@
           </a:lstStyle>
           <a:p>
             <a:r>
-              <a:rPr lang="zh-CN" altLang="en-US" smtClean="0"/>
+              <a:rPr lang="zh-CN" altLang="en-US"/>
               <a:t>单击此处编辑母版标题样式</a:t>
             </a:r>
-            <a:endParaRPr lang="zh-CN" altLang="en-US"/>
           </a:p>
         </p:txBody>
       </p:sp>
@@ -7570,7 +7436,7 @@
           <a:p>
             <a:pPr lvl="0"/>
             <a:r>
-              <a:rPr lang="zh-CN" altLang="en-US" smtClean="0"/>
+              <a:rPr lang="zh-CN" altLang="en-US"/>
               <a:t>单击此处编辑母版文本样式</a:t>
             </a:r>
           </a:p>
@@ -7626,38 +7492,37 @@
           <a:p>
             <a:pPr lvl="0"/>
             <a:r>
-              <a:rPr lang="zh-CN" altLang="en-US" smtClean="0"/>
+              <a:rPr lang="zh-CN" altLang="en-US"/>
               <a:t>单击此处编辑母版文本样式</a:t>
             </a:r>
           </a:p>
           <a:p>
             <a:pPr lvl="1"/>
             <a:r>
-              <a:rPr lang="zh-CN" altLang="en-US" smtClean="0"/>
+              <a:rPr lang="zh-CN" altLang="en-US"/>
               <a:t>第二级</a:t>
             </a:r>
           </a:p>
           <a:p>
             <a:pPr lvl="2"/>
             <a:r>
-              <a:rPr lang="zh-CN" altLang="en-US" smtClean="0"/>
+              <a:rPr lang="zh-CN" altLang="en-US"/>
               <a:t>第三级</a:t>
             </a:r>
           </a:p>
           <a:p>
             <a:pPr lvl="3"/>
             <a:r>
-              <a:rPr lang="zh-CN" altLang="en-US" smtClean="0"/>
+              <a:rPr lang="zh-CN" altLang="en-US"/>
               <a:t>第四级</a:t>
             </a:r>
           </a:p>
           <a:p>
             <a:pPr lvl="4"/>
             <a:r>
-              <a:rPr lang="zh-CN" altLang="en-US" smtClean="0"/>
+              <a:rPr lang="zh-CN" altLang="en-US"/>
               <a:t>第五级</a:t>
             </a:r>
-            <a:endParaRPr lang="zh-CN" altLang="en-US"/>
           </a:p>
         </p:txBody>
       </p:sp>
@@ -7720,7 +7585,7 @@
           <a:p>
             <a:pPr lvl="0"/>
             <a:r>
-              <a:rPr lang="zh-CN" altLang="en-US" smtClean="0"/>
+              <a:rPr lang="zh-CN" altLang="en-US"/>
               <a:t>单击此处编辑母版文本样式</a:t>
             </a:r>
           </a:p>
@@ -7776,38 +7641,37 @@
           <a:p>
             <a:pPr lvl="0"/>
             <a:r>
-              <a:rPr lang="zh-CN" altLang="en-US" smtClean="0"/>
+              <a:rPr lang="zh-CN" altLang="en-US"/>
               <a:t>单击此处编辑母版文本样式</a:t>
             </a:r>
           </a:p>
           <a:p>
             <a:pPr lvl="1"/>
             <a:r>
-              <a:rPr lang="zh-CN" altLang="en-US" smtClean="0"/>
+              <a:rPr lang="zh-CN" altLang="en-US"/>
               <a:t>第二级</a:t>
             </a:r>
           </a:p>
           <a:p>
             <a:pPr lvl="2"/>
             <a:r>
-              <a:rPr lang="zh-CN" altLang="en-US" smtClean="0"/>
+              <a:rPr lang="zh-CN" altLang="en-US"/>
               <a:t>第三级</a:t>
             </a:r>
           </a:p>
           <a:p>
             <a:pPr lvl="3"/>
             <a:r>
-              <a:rPr lang="zh-CN" altLang="en-US" smtClean="0"/>
+              <a:rPr lang="zh-CN" altLang="en-US"/>
               <a:t>第四级</a:t>
             </a:r>
           </a:p>
           <a:p>
             <a:pPr lvl="4"/>
             <a:r>
-              <a:rPr lang="zh-CN" altLang="en-US" smtClean="0"/>
+              <a:rPr lang="zh-CN" altLang="en-US"/>
               <a:t>第五级</a:t>
             </a:r>
-            <a:endParaRPr lang="zh-CN" altLang="en-US"/>
           </a:p>
         </p:txBody>
       </p:sp>
@@ -7828,7 +7692,7 @@
           <a:p>
             <a:fld id="{EF50BAF8-1120-4869-B1EC-9D010EF77D65}" type="datetimeFigureOut">
               <a:rPr lang="zh-CN" altLang="en-US" smtClean="0"/>
-              <a:t>2021/11/7</a:t>
+              <a:t>2021/11/15</a:t>
             </a:fld>
             <a:endParaRPr lang="zh-CN" altLang="en-US"/>
           </a:p>
@@ -7922,10 +7786,9 @@
           <a:lstStyle/>
           <a:p>
             <a:r>
-              <a:rPr lang="zh-CN" altLang="en-US" smtClean="0"/>
+              <a:rPr lang="zh-CN" altLang="en-US"/>
               <a:t>单击此处编辑母版标题样式</a:t>
             </a:r>
-            <a:endParaRPr lang="zh-CN" altLang="en-US"/>
           </a:p>
         </p:txBody>
       </p:sp>
@@ -7946,7 +7809,7 @@
           <a:p>
             <a:fld id="{EF50BAF8-1120-4869-B1EC-9D010EF77D65}" type="datetimeFigureOut">
               <a:rPr lang="zh-CN" altLang="en-US" smtClean="0"/>
-              <a:t>2021/11/7</a:t>
+              <a:t>2021/11/15</a:t>
             </a:fld>
             <a:endParaRPr lang="zh-CN" altLang="en-US"/>
           </a:p>
@@ -8041,7 +7904,7 @@
           <a:p>
             <a:fld id="{EF50BAF8-1120-4869-B1EC-9D010EF77D65}" type="datetimeFigureOut">
               <a:rPr lang="zh-CN" altLang="en-US" smtClean="0"/>
-              <a:t>2021/11/7</a:t>
+              <a:t>2021/11/15</a:t>
             </a:fld>
             <a:endParaRPr lang="zh-CN" altLang="en-US"/>
           </a:p>
@@ -8144,10 +8007,9 @@
           </a:lstStyle>
           <a:p>
             <a:r>
-              <a:rPr lang="zh-CN" altLang="en-US" smtClean="0"/>
+              <a:rPr lang="zh-CN" altLang="en-US"/>
               <a:t>单击此处编辑母版标题样式</a:t>
             </a:r>
-            <a:endParaRPr lang="zh-CN" altLang="en-US"/>
           </a:p>
         </p:txBody>
       </p:sp>
@@ -8201,38 +8063,37 @@
           <a:p>
             <a:pPr lvl="0"/>
             <a:r>
-              <a:rPr lang="zh-CN" altLang="en-US" smtClean="0"/>
+              <a:rPr lang="zh-CN" altLang="en-US"/>
               <a:t>单击此处编辑母版文本样式</a:t>
             </a:r>
           </a:p>
           <a:p>
             <a:pPr lvl="1"/>
             <a:r>
-              <a:rPr lang="zh-CN" altLang="en-US" smtClean="0"/>
+              <a:rPr lang="zh-CN" altLang="en-US"/>
               <a:t>第二级</a:t>
             </a:r>
           </a:p>
           <a:p>
             <a:pPr lvl="2"/>
             <a:r>
-              <a:rPr lang="zh-CN" altLang="en-US" smtClean="0"/>
+              <a:rPr lang="zh-CN" altLang="en-US"/>
               <a:t>第三级</a:t>
             </a:r>
           </a:p>
           <a:p>
             <a:pPr lvl="3"/>
             <a:r>
-              <a:rPr lang="zh-CN" altLang="en-US" smtClean="0"/>
+              <a:rPr lang="zh-CN" altLang="en-US"/>
               <a:t>第四级</a:t>
             </a:r>
           </a:p>
           <a:p>
             <a:pPr lvl="4"/>
             <a:r>
-              <a:rPr lang="zh-CN" altLang="en-US" smtClean="0"/>
+              <a:rPr lang="zh-CN" altLang="en-US"/>
               <a:t>第五级</a:t>
             </a:r>
-            <a:endParaRPr lang="zh-CN" altLang="en-US"/>
           </a:p>
         </p:txBody>
       </p:sp>
@@ -8295,7 +8156,7 @@
           <a:p>
             <a:pPr lvl="0"/>
             <a:r>
-              <a:rPr lang="zh-CN" altLang="en-US" smtClean="0"/>
+              <a:rPr lang="zh-CN" altLang="en-US"/>
               <a:t>单击此处编辑母版文本样式</a:t>
             </a:r>
           </a:p>
@@ -8318,7 +8179,7 @@
           <a:p>
             <a:fld id="{EF50BAF8-1120-4869-B1EC-9D010EF77D65}" type="datetimeFigureOut">
               <a:rPr lang="zh-CN" altLang="en-US" smtClean="0"/>
-              <a:t>2021/11/7</a:t>
+              <a:t>2021/11/15</a:t>
             </a:fld>
             <a:endParaRPr lang="zh-CN" altLang="en-US"/>
           </a:p>
@@ -8421,10 +8282,9 @@
           </a:lstStyle>
           <a:p>
             <a:r>
-              <a:rPr lang="zh-CN" altLang="en-US" smtClean="0"/>
+              <a:rPr lang="zh-CN" altLang="en-US"/>
               <a:t>单击此处编辑母版标题样式</a:t>
             </a:r>
-            <a:endParaRPr lang="zh-CN" altLang="en-US"/>
           </a:p>
         </p:txBody>
       </p:sp>
@@ -8548,7 +8408,7 @@
           <a:p>
             <a:pPr lvl="0"/>
             <a:r>
-              <a:rPr lang="zh-CN" altLang="en-US" smtClean="0"/>
+              <a:rPr lang="zh-CN" altLang="en-US"/>
               <a:t>单击此处编辑母版文本样式</a:t>
             </a:r>
           </a:p>
@@ -8571,7 +8431,7 @@
           <a:p>
             <a:fld id="{EF50BAF8-1120-4869-B1EC-9D010EF77D65}" type="datetimeFigureOut">
               <a:rPr lang="zh-CN" altLang="en-US" smtClean="0"/>
-              <a:t>2021/11/7</a:t>
+              <a:t>2021/11/15</a:t>
             </a:fld>
             <a:endParaRPr lang="zh-CN" altLang="en-US"/>
           </a:p>
@@ -8726,10 +8586,9 @@
           <a:lstStyle/>
           <a:p>
             <a:r>
-              <a:rPr lang="zh-CN" altLang="en-US" dirty="0" smtClean="0"/>
+              <a:rPr lang="zh-CN" altLang="en-US" dirty="0"/>
               <a:t>目录</a:t>
             </a:r>
-            <a:endParaRPr lang="zh-CN" altLang="en-US" dirty="0"/>
           </a:p>
         </p:txBody>
       </p:sp>
@@ -8760,38 +8619,37 @@
           <a:p>
             <a:pPr lvl="0"/>
             <a:r>
-              <a:rPr lang="zh-CN" altLang="en-US" dirty="0" smtClean="0"/>
+              <a:rPr lang="zh-CN" altLang="en-US" dirty="0"/>
               <a:t>单击此处编辑母版文本样式</a:t>
             </a:r>
           </a:p>
           <a:p>
             <a:pPr lvl="1"/>
             <a:r>
-              <a:rPr lang="zh-CN" altLang="en-US" dirty="0" smtClean="0"/>
+              <a:rPr lang="zh-CN" altLang="en-US" dirty="0"/>
               <a:t>第二级</a:t>
             </a:r>
           </a:p>
           <a:p>
             <a:pPr lvl="2"/>
             <a:r>
-              <a:rPr lang="zh-CN" altLang="en-US" dirty="0" smtClean="0"/>
+              <a:rPr lang="zh-CN" altLang="en-US" dirty="0"/>
               <a:t>第三级</a:t>
             </a:r>
           </a:p>
           <a:p>
             <a:pPr lvl="3"/>
             <a:r>
-              <a:rPr lang="zh-CN" altLang="en-US" dirty="0" smtClean="0"/>
+              <a:rPr lang="zh-CN" altLang="en-US" dirty="0"/>
               <a:t>第四级</a:t>
             </a:r>
           </a:p>
           <a:p>
             <a:pPr lvl="4"/>
             <a:r>
-              <a:rPr lang="zh-CN" altLang="en-US" dirty="0" smtClean="0"/>
+              <a:rPr lang="zh-CN" altLang="en-US" dirty="0"/>
               <a:t>第五级</a:t>
             </a:r>
-            <a:endParaRPr lang="zh-CN" altLang="en-US" dirty="0"/>
           </a:p>
         </p:txBody>
       </p:sp>
@@ -8830,7 +8688,7 @@
           <a:p>
             <a:fld id="{EF50BAF8-1120-4869-B1EC-9D010EF77D65}" type="datetimeFigureOut">
               <a:rPr lang="zh-CN" altLang="en-US" smtClean="0"/>
-              <a:t>2021/11/7</a:t>
+              <a:t>2021/11/15</a:t>
             </a:fld>
             <a:endParaRPr lang="zh-CN" altLang="en-US"/>
           </a:p>
@@ -8935,13 +8793,6 @@
     <p:sldLayoutId id="2147483670" r:id="rId10"/>
     <p:sldLayoutId id="2147483671" r:id="rId11"/>
   </p:sldLayoutIdLst>
-  <p:timing>
-    <p:tnLst>
-      <p:par>
-        <p:cTn id="1" dur="indefinite" restart="never" nodeType="tmRoot"/>
-      </p:par>
-    </p:tnLst>
-  </p:timing>
   <p:txStyles>
     <p:titleStyle>
       <a:lvl1pPr algn="l" defTabSz="914400" rtl="0" eaLnBrk="1" latinLnBrk="0" hangingPunct="1">
@@ -9254,10 +9105,9 @@
           <a:lstStyle/>
           <a:p>
             <a:r>
-              <a:rPr lang="zh-CN" altLang="en-US" smtClean="0"/>
+              <a:rPr lang="zh-CN" altLang="en-US"/>
               <a:t>单击此处编辑母版标题样式</a:t>
             </a:r>
-            <a:endParaRPr lang="zh-CN" altLang="en-US"/>
           </a:p>
         </p:txBody>
       </p:sp>
@@ -9288,38 +9138,37 @@
           <a:p>
             <a:pPr lvl="0"/>
             <a:r>
-              <a:rPr lang="zh-CN" altLang="en-US" smtClean="0"/>
+              <a:rPr lang="zh-CN" altLang="en-US"/>
               <a:t>单击此处编辑母版文本样式</a:t>
             </a:r>
           </a:p>
           <a:p>
             <a:pPr lvl="1"/>
             <a:r>
-              <a:rPr lang="zh-CN" altLang="en-US" smtClean="0"/>
+              <a:rPr lang="zh-CN" altLang="en-US"/>
               <a:t>第二级</a:t>
             </a:r>
           </a:p>
           <a:p>
             <a:pPr lvl="2"/>
             <a:r>
-              <a:rPr lang="zh-CN" altLang="en-US" smtClean="0"/>
+              <a:rPr lang="zh-CN" altLang="en-US"/>
               <a:t>第三级</a:t>
             </a:r>
           </a:p>
           <a:p>
             <a:pPr lvl="3"/>
             <a:r>
-              <a:rPr lang="zh-CN" altLang="en-US" smtClean="0"/>
+              <a:rPr lang="zh-CN" altLang="en-US"/>
               <a:t>第四级</a:t>
             </a:r>
           </a:p>
           <a:p>
             <a:pPr lvl="4"/>
             <a:r>
-              <a:rPr lang="zh-CN" altLang="en-US" smtClean="0"/>
+              <a:rPr lang="zh-CN" altLang="en-US"/>
               <a:t>第五级</a:t>
             </a:r>
-            <a:endParaRPr lang="zh-CN" altLang="en-US"/>
           </a:p>
         </p:txBody>
       </p:sp>
@@ -9358,7 +9207,7 @@
           <a:p>
             <a:fld id="{530820CF-B880-4189-942D-D702A7CBA730}" type="datetimeFigureOut">
               <a:rPr lang="zh-CN" altLang="en-US" smtClean="0"/>
-              <a:t>2021/11/7</a:t>
+              <a:t>2021/11/15</a:t>
             </a:fld>
             <a:endParaRPr lang="zh-CN" altLang="en-US"/>
           </a:p>
@@ -9806,10 +9655,9 @@
           <a:lstStyle/>
           <a:p>
             <a:r>
-              <a:rPr lang="zh-CN" altLang="en-US" dirty="0" smtClean="0"/>
+              <a:rPr lang="zh-CN" altLang="en-US" dirty="0"/>
               <a:t>目录</a:t>
             </a:r>
-            <a:endParaRPr lang="zh-CN" altLang="en-US" dirty="0"/>
           </a:p>
         </p:txBody>
       </p:sp>
@@ -9840,38 +9688,37 @@
           <a:p>
             <a:pPr lvl="0"/>
             <a:r>
-              <a:rPr lang="zh-CN" altLang="en-US" dirty="0" smtClean="0"/>
+              <a:rPr lang="zh-CN" altLang="en-US" dirty="0"/>
               <a:t>单击此处编辑母版文本样式</a:t>
             </a:r>
           </a:p>
           <a:p>
             <a:pPr lvl="1"/>
             <a:r>
-              <a:rPr lang="zh-CN" altLang="en-US" dirty="0" smtClean="0"/>
+              <a:rPr lang="zh-CN" altLang="en-US" dirty="0"/>
               <a:t>第二级</a:t>
             </a:r>
           </a:p>
           <a:p>
             <a:pPr lvl="2"/>
             <a:r>
-              <a:rPr lang="zh-CN" altLang="en-US" dirty="0" smtClean="0"/>
+              <a:rPr lang="zh-CN" altLang="en-US" dirty="0"/>
               <a:t>第三级</a:t>
             </a:r>
           </a:p>
           <a:p>
             <a:pPr lvl="3"/>
             <a:r>
-              <a:rPr lang="zh-CN" altLang="en-US" dirty="0" smtClean="0"/>
+              <a:rPr lang="zh-CN" altLang="en-US" dirty="0"/>
               <a:t>第四级</a:t>
             </a:r>
           </a:p>
           <a:p>
             <a:pPr lvl="4"/>
             <a:r>
-              <a:rPr lang="zh-CN" altLang="en-US" dirty="0" smtClean="0"/>
+              <a:rPr lang="zh-CN" altLang="en-US" dirty="0"/>
               <a:t>第五级</a:t>
             </a:r>
-            <a:endParaRPr lang="zh-CN" altLang="en-US" dirty="0"/>
           </a:p>
         </p:txBody>
       </p:sp>
@@ -9910,7 +9757,7 @@
           <a:p>
             <a:fld id="{EF50BAF8-1120-4869-B1EC-9D010EF77D65}" type="datetimeFigureOut">
               <a:rPr lang="zh-CN" altLang="en-US" smtClean="0"/>
-              <a:t>2021/11/7</a:t>
+              <a:t>2021/11/15</a:t>
             </a:fld>
             <a:endParaRPr lang="zh-CN" altLang="en-US"/>
           </a:p>
@@ -10015,13 +9862,6 @@
     <p:sldLayoutId id="2147483700" r:id="rId10"/>
     <p:sldLayoutId id="2147483701" r:id="rId11"/>
   </p:sldLayoutIdLst>
-  <p:timing>
-    <p:tnLst>
-      <p:par>
-        <p:cTn id="1" dur="indefinite" restart="never" nodeType="tmRoot"/>
-      </p:par>
-    </p:tnLst>
-  </p:timing>
   <p:txStyles>
     <p:titleStyle>
       <a:lvl1pPr algn="l" defTabSz="914400" rtl="0" eaLnBrk="1" latinLnBrk="0" hangingPunct="1">
@@ -10365,22 +10205,10 @@
                 <a:ea typeface="楷体"/>
                 <a:cs typeface="楷体"/>
               </a:rPr>
-              <a:t>Topic </a:t>
-            </a:r>
-            <a:r>
-              <a:rPr lang="en-US" altLang="zh-CN" sz="3600" b="1" dirty="0" smtClean="0">
-                <a:solidFill>
-                  <a:schemeClr val="accent5">
-                    <a:lumMod val="75000"/>
-                  </a:schemeClr>
-                </a:solidFill>
-                <a:ea typeface="楷体"/>
-                <a:cs typeface="楷体"/>
-              </a:rPr>
-              <a:t>5.</a:t>
-            </a:r>
-            <a:r>
-              <a:rPr lang="zh-CN" altLang="en-US" sz="3600" b="1" dirty="0" smtClean="0">
+              <a:t>Topic 5.</a:t>
+            </a:r>
+            <a:r>
+              <a:rPr lang="zh-CN" altLang="en-US" sz="3600" b="1" dirty="0">
                 <a:solidFill>
                   <a:schemeClr val="accent5">
                     <a:lumMod val="75000"/>
@@ -10404,7 +10232,7 @@
               <a:t>Dynamically Scheduled Pipelines using </a:t>
             </a:r>
             <a:r>
-              <a:rPr lang="en-US" altLang="zh-CN" sz="3600" b="1" dirty="0" err="1" smtClean="0">
+              <a:rPr lang="en-US" altLang="zh-CN" sz="3600" b="1" dirty="0" err="1">
                 <a:solidFill>
                   <a:schemeClr val="accent5">
                     <a:lumMod val="75000"/>
@@ -10462,16 +10290,9 @@
                 <a:latin typeface="楷体_GB2312" pitchFamily="49" charset="-122"/>
                 <a:ea typeface="楷体_GB2312" pitchFamily="49" charset="-122"/>
               </a:rPr>
-              <a:t>浙江大学计算机学</a:t>
-            </a:r>
-            <a:r>
-              <a:rPr lang="zh-CN" altLang="en-US" sz="3000" b="1" dirty="0" smtClean="0">
-                <a:latin typeface="楷体_GB2312" pitchFamily="49" charset="-122"/>
-                <a:ea typeface="楷体_GB2312" pitchFamily="49" charset="-122"/>
-              </a:rPr>
-              <a:t>院</a:t>
-            </a:r>
-            <a:endParaRPr lang="en-US" altLang="zh-CN" sz="3000" b="1" dirty="0" smtClean="0">
+              <a:t>浙江大学计算机学院</a:t>
+            </a:r>
+            <a:endParaRPr lang="en-US" altLang="zh-CN" sz="3000" b="1" dirty="0">
               <a:latin typeface="楷体_GB2312" pitchFamily="49" charset="-122"/>
               <a:ea typeface="楷体_GB2312" pitchFamily="49" charset="-122"/>
             </a:endParaRPr>
@@ -10500,28 +10321,28 @@
               </a:spcBef>
             </a:pPr>
             <a:r>
-              <a:rPr lang="en-US" altLang="zh-CN" sz="3000" b="1" dirty="0" smtClean="0">
+              <a:rPr lang="en-US" altLang="zh-CN" sz="3000" b="1" dirty="0">
                 <a:latin typeface="楷体_GB2312" pitchFamily="49" charset="-122"/>
                 <a:ea typeface="楷体_GB2312" pitchFamily="49" charset="-122"/>
               </a:rPr>
               <a:t>2021</a:t>
             </a:r>
             <a:r>
-              <a:rPr lang="zh-CN" altLang="en-US" sz="3000" b="1" dirty="0" smtClean="0">
+              <a:rPr lang="zh-CN" altLang="en-US" sz="3000" b="1" dirty="0">
                 <a:latin typeface="楷体_GB2312" pitchFamily="49" charset="-122"/>
                 <a:ea typeface="楷体_GB2312" pitchFamily="49" charset="-122"/>
               </a:rPr>
               <a:t>年</a:t>
             </a:r>
             <a:r>
-              <a:rPr lang="en-US" altLang="zh-CN" sz="3000" b="1" dirty="0" smtClean="0">
+              <a:rPr lang="en-US" altLang="zh-CN" sz="3000" b="1" dirty="0">
                 <a:latin typeface="楷体_GB2312" pitchFamily="49" charset="-122"/>
                 <a:ea typeface="楷体_GB2312" pitchFamily="49" charset="-122"/>
               </a:rPr>
               <a:t>9</a:t>
             </a:r>
             <a:r>
-              <a:rPr lang="zh-CN" altLang="en-US" sz="3000" b="1" dirty="0" smtClean="0">
+              <a:rPr lang="zh-CN" altLang="en-US" sz="3000" b="1" dirty="0">
                 <a:latin typeface="楷体_GB2312" pitchFamily="49" charset="-122"/>
                 <a:ea typeface="楷体_GB2312" pitchFamily="49" charset="-122"/>
               </a:rPr>
@@ -10544,13 +10365,6 @@
   <p:clrMapOvr>
     <a:masterClrMapping/>
   </p:clrMapOvr>
-  <p:timing>
-    <p:tnLst>
-      <p:par>
-        <p:cTn id="1" dur="indefinite" restart="never" nodeType="tmRoot"/>
-      </p:par>
-    </p:tnLst>
-  </p:timing>
 </p:sld>
 </file>
 
@@ -10608,9 +10422,7 @@
           <p:cNvGraphicFramePr>
             <a:graphicFrameLocks noGrp="1"/>
           </p:cNvGraphicFramePr>
-          <p:nvPr>
-            <p:extLst/>
-          </p:nvPr>
+          <p:nvPr/>
         </p:nvGraphicFramePr>
         <p:xfrm>
           <a:off x="1127448" y="1268760"/>
@@ -10684,7 +10496,7 @@
                     <a:p>
                       <a:pPr algn="ctr" fontAlgn="ctr"/>
                       <a:r>
-                        <a:rPr lang="en-US" sz="2000" b="0" i="0" u="none" strike="noStrike" dirty="0" smtClean="0">
+                        <a:rPr lang="en-US" sz="2000" b="0" i="0" u="none" strike="noStrike" dirty="0">
                           <a:solidFill>
                             <a:schemeClr val="dk1"/>
                           </a:solidFill>
@@ -10798,7 +10610,7 @@
                     <a:p>
                       <a:pPr algn="ctr" fontAlgn="ctr"/>
                       <a:r>
-                        <a:rPr lang="en-US" altLang="zh-CN" sz="2000" u="none" strike="noStrike" dirty="0" smtClean="0">
+                        <a:rPr lang="en-US" altLang="zh-CN" sz="2000" u="none" strike="noStrike" dirty="0">
                           <a:effectLst/>
                         </a:rPr>
                         <a:t>000080BF</a:t>
@@ -10899,7 +10711,7 @@
                     <a:p>
                       <a:pPr algn="ctr" fontAlgn="ctr"/>
                       <a:r>
-                        <a:rPr lang="en-US" altLang="zh-CN" sz="2000" u="none" strike="noStrike" dirty="0" smtClean="0">
+                        <a:rPr lang="en-US" altLang="zh-CN" sz="2000" u="none" strike="noStrike" dirty="0">
                           <a:effectLst/>
                         </a:rPr>
                         <a:t>00000008</a:t>
@@ -11000,7 +10812,7 @@
                     <a:p>
                       <a:pPr algn="ctr" fontAlgn="ctr"/>
                       <a:r>
-                        <a:rPr lang="en-US" altLang="zh-CN" sz="2000" u="none" strike="noStrike" dirty="0" smtClean="0">
+                        <a:rPr lang="en-US" altLang="zh-CN" sz="2000" u="none" strike="noStrike" dirty="0">
                           <a:effectLst/>
                         </a:rPr>
                         <a:t>00000010</a:t>
@@ -11101,7 +10913,7 @@
                     <a:p>
                       <a:pPr algn="ctr" fontAlgn="ctr"/>
                       <a:r>
-                        <a:rPr lang="en-US" altLang="zh-CN" sz="2000" u="none" strike="noStrike" dirty="0" smtClean="0">
+                        <a:rPr lang="en-US" altLang="zh-CN" sz="2000" u="none" strike="noStrike" dirty="0">
                           <a:effectLst/>
                         </a:rPr>
                         <a:t>00000014</a:t>
@@ -11202,7 +11014,7 @@
                     <a:p>
                       <a:pPr algn="ctr" fontAlgn="ctr"/>
                       <a:r>
-                        <a:rPr lang="en-US" sz="2000" u="none" strike="noStrike" dirty="0" smtClean="0">
+                        <a:rPr lang="en-US" sz="2000" u="none" strike="noStrike" dirty="0">
                           <a:effectLst/>
                         </a:rPr>
                         <a:t>FFFF0000</a:t>
@@ -11303,7 +11115,7 @@
                     <a:p>
                       <a:pPr algn="ctr" fontAlgn="ctr"/>
                       <a:r>
-                        <a:rPr lang="en-US" sz="2000" u="none" strike="noStrike" dirty="0" smtClean="0">
+                        <a:rPr lang="en-US" sz="2000" u="none" strike="noStrike" dirty="0">
                           <a:effectLst/>
                         </a:rPr>
                         <a:t>0FFF0000</a:t>
@@ -11404,7 +11216,7 @@
                     <a:p>
                       <a:pPr algn="ctr" fontAlgn="ctr"/>
                       <a:r>
-                        <a:rPr lang="en-US" altLang="zh-CN" sz="2000" u="none" strike="noStrike" dirty="0" smtClean="0">
+                        <a:rPr lang="en-US" altLang="zh-CN" sz="2000" u="none" strike="noStrike" dirty="0">
                           <a:effectLst/>
                         </a:rPr>
                         <a:t>FF000F0F</a:t>
@@ -11505,7 +11317,7 @@
                     <a:p>
                       <a:pPr algn="ctr" fontAlgn="ctr"/>
                       <a:r>
-                        <a:rPr lang="en-US" altLang="zh-CN" sz="2000" u="none" strike="noStrike" dirty="0" smtClean="0">
+                        <a:rPr lang="en-US" altLang="zh-CN" sz="2000" u="none" strike="noStrike" dirty="0">
                           <a:effectLst/>
                         </a:rPr>
                         <a:t>F0F0F0F0</a:t>
@@ -11606,7 +11418,7 @@
                     <a:p>
                       <a:pPr algn="ctr" fontAlgn="ctr"/>
                       <a:r>
-                        <a:rPr lang="en-US" sz="2000" u="none" strike="noStrike" dirty="0" smtClean="0">
+                        <a:rPr lang="en-US" sz="2000" u="none" strike="noStrike" dirty="0">
                           <a:effectLst/>
                         </a:rPr>
                         <a:t>00000000</a:t>
@@ -11707,7 +11519,7 @@
                     <a:p>
                       <a:pPr algn="ctr" fontAlgn="ctr"/>
                       <a:r>
-                        <a:rPr lang="en-US" altLang="zh-CN" sz="2000" u="none" strike="noStrike" dirty="0" smtClean="0">
+                        <a:rPr lang="en-US" altLang="zh-CN" sz="2000" u="none" strike="noStrike" dirty="0">
                           <a:effectLst/>
                         </a:rPr>
                         <a:t>00000000</a:t>
@@ -11808,7 +11620,7 @@
                     <a:p>
                       <a:pPr algn="ctr" fontAlgn="ctr"/>
                       <a:r>
-                        <a:rPr lang="en-US" altLang="zh-CN" sz="2000" u="none" strike="noStrike" dirty="0" smtClean="0">
+                        <a:rPr lang="en-US" altLang="zh-CN" sz="2000" u="none" strike="noStrike" dirty="0">
                           <a:effectLst/>
                         </a:rPr>
                         <a:t>00000000</a:t>
@@ -11909,7 +11721,7 @@
                     <a:p>
                       <a:pPr algn="ctr" fontAlgn="ctr"/>
                       <a:r>
-                        <a:rPr lang="en-US" altLang="zh-CN" sz="2000" u="none" strike="noStrike" dirty="0" smtClean="0">
+                        <a:rPr lang="en-US" altLang="zh-CN" sz="2000" u="none" strike="noStrike" dirty="0">
                           <a:effectLst/>
                         </a:rPr>
                         <a:t>00000000</a:t>
@@ -12010,7 +11822,7 @@
                     <a:p>
                       <a:pPr algn="ctr" fontAlgn="ctr"/>
                       <a:r>
-                        <a:rPr lang="en-US" altLang="zh-CN" sz="2000" u="none" strike="noStrike" dirty="0" smtClean="0">
+                        <a:rPr lang="en-US" altLang="zh-CN" sz="2000" u="none" strike="noStrike" dirty="0">
                           <a:effectLst/>
                         </a:rPr>
                         <a:t>00000000</a:t>
@@ -12111,7 +11923,7 @@
                     <a:p>
                       <a:pPr algn="ctr" fontAlgn="ctr"/>
                       <a:r>
-                        <a:rPr lang="en-US" altLang="zh-CN" sz="2000" u="none" strike="noStrike" dirty="0" smtClean="0">
+                        <a:rPr lang="en-US" altLang="zh-CN" sz="2000" u="none" strike="noStrike" dirty="0">
                           <a:effectLst/>
                         </a:rPr>
                         <a:t>00000000</a:t>
@@ -12212,7 +12024,7 @@
                     <a:p>
                       <a:pPr algn="ctr" fontAlgn="ctr"/>
                       <a:r>
-                        <a:rPr lang="en-US" altLang="zh-CN" sz="2000" u="none" strike="noStrike" dirty="0" smtClean="0">
+                        <a:rPr lang="en-US" altLang="zh-CN" sz="2000" u="none" strike="noStrike" dirty="0">
                           <a:effectLst/>
                         </a:rPr>
                         <a:t>00000000</a:t>
@@ -12310,7 +12122,7 @@
                     <a:p>
                       <a:pPr algn="ctr" fontAlgn="ctr"/>
                       <a:r>
-                        <a:rPr lang="en-US" altLang="zh-CN" sz="2000" u="none" strike="noStrike" dirty="0" smtClean="0">
+                        <a:rPr lang="en-US" altLang="zh-CN" sz="2000" u="none" strike="noStrike" dirty="0">
                           <a:effectLst/>
                         </a:rPr>
                         <a:t>00000000</a:t>
@@ -12383,9 +12195,7 @@
           <p:cNvGraphicFramePr>
             <a:graphicFrameLocks noGrp="1"/>
           </p:cNvGraphicFramePr>
-          <p:nvPr>
-            <p:extLst/>
-          </p:nvPr>
+          <p:nvPr/>
         </p:nvGraphicFramePr>
         <p:xfrm>
           <a:off x="6373267" y="1274452"/>
@@ -12565,7 +12375,7 @@
                     <a:p>
                       <a:pPr algn="ctr" fontAlgn="ctr"/>
                       <a:r>
-                        <a:rPr lang="en-US" altLang="zh-CN" sz="2000" u="none" strike="noStrike" dirty="0" smtClean="0">
+                        <a:rPr lang="en-US" altLang="zh-CN" sz="2000" u="none" strike="noStrike" dirty="0">
                           <a:effectLst/>
                         </a:rPr>
                         <a:t>00000000</a:t>
@@ -12663,7 +12473,7 @@
                     <a:p>
                       <a:pPr algn="ctr" fontAlgn="ctr"/>
                       <a:r>
-                        <a:rPr lang="en-US" altLang="zh-CN" sz="2000" u="none" strike="noStrike" dirty="0" smtClean="0">
+                        <a:rPr lang="en-US" altLang="zh-CN" sz="2000" u="none" strike="noStrike" dirty="0">
                           <a:effectLst/>
                         </a:rPr>
                         <a:t>00000000</a:t>
@@ -12761,7 +12571,7 @@
                     <a:p>
                       <a:pPr algn="ctr" fontAlgn="ctr"/>
                       <a:r>
-                        <a:rPr lang="en-US" altLang="zh-CN" sz="2000" u="none" strike="noStrike" dirty="0" smtClean="0">
+                        <a:rPr lang="en-US" altLang="zh-CN" sz="2000" u="none" strike="noStrike" dirty="0">
                           <a:effectLst/>
                         </a:rPr>
                         <a:t>00000000</a:t>
@@ -12859,7 +12669,7 @@
                     <a:p>
                       <a:pPr algn="ctr" fontAlgn="ctr"/>
                       <a:r>
-                        <a:rPr lang="en-US" altLang="zh-CN" sz="2000" u="none" strike="noStrike" dirty="0" smtClean="0">
+                        <a:rPr lang="en-US" altLang="zh-CN" sz="2000" u="none" strike="noStrike" dirty="0">
                           <a:effectLst/>
                         </a:rPr>
                         <a:t>00000000</a:t>
@@ -12957,7 +12767,7 @@
                     <a:p>
                       <a:pPr algn="ctr" fontAlgn="ctr"/>
                       <a:r>
-                        <a:rPr lang="en-US" altLang="zh-CN" sz="2000" u="none" strike="noStrike" dirty="0" smtClean="0">
+                        <a:rPr lang="en-US" altLang="zh-CN" sz="2000" u="none" strike="noStrike" dirty="0">
                           <a:effectLst/>
                         </a:rPr>
                         <a:t>A3000000</a:t>
@@ -13055,7 +12865,7 @@
                     <a:p>
                       <a:pPr algn="ctr" fontAlgn="ctr"/>
                       <a:r>
-                        <a:rPr lang="en-US" altLang="zh-CN" sz="2000" u="none" strike="noStrike" dirty="0" smtClean="0">
+                        <a:rPr lang="en-US" altLang="zh-CN" sz="2000" u="none" strike="noStrike" dirty="0">
                           <a:effectLst/>
                         </a:rPr>
                         <a:t>27000000</a:t>
@@ -13153,7 +12963,7 @@
                     <a:p>
                       <a:pPr algn="ctr" fontAlgn="ctr"/>
                       <a:r>
-                        <a:rPr lang="en-US" altLang="zh-CN" sz="2000" u="none" strike="noStrike" dirty="0" smtClean="0">
+                        <a:rPr lang="en-US" altLang="zh-CN" sz="2000" u="none" strike="noStrike" dirty="0">
                           <a:effectLst/>
                         </a:rPr>
                         <a:t>79000000</a:t>
@@ -13251,7 +13061,7 @@
                     <a:p>
                       <a:pPr algn="ctr" fontAlgn="ctr"/>
                       <a:r>
-                        <a:rPr lang="en-US" sz="2000" u="none" strike="noStrike" dirty="0" smtClean="0">
+                        <a:rPr lang="en-US" sz="2000" u="none" strike="noStrike" dirty="0">
                           <a:effectLst/>
                         </a:rPr>
                         <a:t>15100000</a:t>
@@ -13349,7 +13159,7 @@
                     <a:p>
                       <a:pPr algn="ctr" fontAlgn="ctr"/>
                       <a:r>
-                        <a:rPr lang="en-US" altLang="zh-CN" sz="2000" u="none" strike="noStrike" dirty="0" smtClean="0">
+                        <a:rPr lang="en-US" altLang="zh-CN" sz="2000" u="none" strike="noStrike" dirty="0">
                           <a:effectLst/>
                         </a:rPr>
                         <a:t>00000000</a:t>
@@ -13447,7 +13257,7 @@
                     <a:p>
                       <a:pPr algn="ctr" fontAlgn="ctr"/>
                       <a:r>
-                        <a:rPr lang="en-US" altLang="zh-CN" sz="2000" u="none" strike="noStrike" dirty="0" smtClean="0">
+                        <a:rPr lang="en-US" altLang="zh-CN" sz="2000" u="none" strike="noStrike" dirty="0">
                           <a:effectLst/>
                         </a:rPr>
                         <a:t>00000000</a:t>
@@ -13545,7 +13355,7 @@
                     <a:p>
                       <a:pPr algn="ctr" fontAlgn="ctr"/>
                       <a:r>
-                        <a:rPr lang="en-US" altLang="zh-CN" sz="2000" u="none" strike="noStrike" dirty="0" smtClean="0">
+                        <a:rPr lang="en-US" altLang="zh-CN" sz="2000" u="none" strike="noStrike" dirty="0">
                           <a:effectLst/>
                         </a:rPr>
                         <a:t>00000000</a:t>
@@ -13643,7 +13453,7 @@
                     <a:p>
                       <a:pPr algn="ctr" fontAlgn="ctr"/>
                       <a:r>
-                        <a:rPr lang="en-US" altLang="zh-CN" sz="2000" u="none" strike="noStrike" dirty="0" smtClean="0">
+                        <a:rPr lang="en-US" altLang="zh-CN" sz="2000" u="none" strike="noStrike" dirty="0">
                           <a:effectLst/>
                         </a:rPr>
                         <a:t>00000000</a:t>
@@ -13741,7 +13551,7 @@
                     <a:p>
                       <a:pPr algn="ctr" fontAlgn="ctr"/>
                       <a:r>
-                        <a:rPr lang="en-US" altLang="zh-CN" sz="2000" u="none" strike="noStrike" dirty="0" smtClean="0">
+                        <a:rPr lang="en-US" altLang="zh-CN" sz="2000" u="none" strike="noStrike" dirty="0">
                           <a:effectLst/>
                         </a:rPr>
                         <a:t>00000000</a:t>
@@ -13839,7 +13649,7 @@
                     <a:p>
                       <a:pPr algn="ctr" fontAlgn="ctr"/>
                       <a:r>
-                        <a:rPr lang="en-US" altLang="zh-CN" sz="2000" u="none" strike="noStrike" dirty="0" smtClean="0">
+                        <a:rPr lang="en-US" altLang="zh-CN" sz="2000" u="none" strike="noStrike" dirty="0">
                           <a:effectLst/>
                         </a:rPr>
                         <a:t>00000000</a:t>
@@ -13916,7 +13726,7 @@
                     <a:p>
                       <a:pPr algn="ctr" fontAlgn="ctr"/>
                       <a:r>
-                        <a:rPr lang="en-US" altLang="zh-CN" sz="2000" b="0" i="0" u="none" strike="noStrike" dirty="0" smtClean="0">
+                        <a:rPr lang="en-US" altLang="zh-CN" sz="2000" b="0" i="0" u="none" strike="noStrike" dirty="0">
                           <a:solidFill>
                             <a:srgbClr val="000000"/>
                           </a:solidFill>
@@ -13926,14 +13736,6 @@
                         </a:rPr>
                         <a:t>30</a:t>
                       </a:r>
-                      <a:endParaRPr lang="en-US" altLang="zh-CN" sz="2000" b="0" i="0" u="none" strike="noStrike" dirty="0">
-                        <a:solidFill>
-                          <a:srgbClr val="000000"/>
-                        </a:solidFill>
-                        <a:effectLst/>
-                        <a:latin typeface="+mn-lt"/>
-                        <a:ea typeface="等线" panose="02010600030101010101" pitchFamily="2" charset="-122"/>
-                      </a:endParaRPr>
                     </a:p>
                   </a:txBody>
                   <a:tcPr marL="7620" marR="7620" marT="7620" marB="0" anchor="ctr"/>
@@ -13945,7 +13747,7 @@
                     <a:p>
                       <a:pPr algn="ctr" fontAlgn="ctr"/>
                       <a:r>
-                        <a:rPr lang="en-US" altLang="zh-CN" sz="2000" u="none" strike="noStrike" dirty="0" smtClean="0">
+                        <a:rPr lang="en-US" altLang="zh-CN" sz="2000" u="none" strike="noStrike" dirty="0">
                           <a:effectLst/>
                         </a:rPr>
                         <a:t>00000000</a:t>
@@ -13969,7 +13771,7 @@
                     <a:p>
                       <a:pPr algn="ctr" fontAlgn="ctr"/>
                       <a:r>
-                        <a:rPr lang="en-US" altLang="zh-CN" sz="2000" u="none" strike="noStrike" kern="1200" dirty="0" smtClean="0">
+                        <a:rPr lang="en-US" altLang="zh-CN" sz="2000" u="none" strike="noStrike" kern="1200" dirty="0">
                           <a:solidFill>
                             <a:schemeClr val="dk1"/>
                           </a:solidFill>
@@ -13980,15 +13782,6 @@
                         </a:rPr>
                         <a:t>78</a:t>
                       </a:r>
-                      <a:endParaRPr lang="en-US" altLang="zh-CN" sz="2000" u="none" strike="noStrike" kern="1200" dirty="0">
-                        <a:solidFill>
-                          <a:schemeClr val="dk1"/>
-                        </a:solidFill>
-                        <a:effectLst/>
-                        <a:latin typeface="+mn-lt"/>
-                        <a:ea typeface="+mn-ea"/>
-                        <a:cs typeface="+mn-cs"/>
-                      </a:endParaRPr>
                     </a:p>
                   </a:txBody>
                   <a:tcPr marL="7620" marR="7620" marT="7620" marB="0" anchor="ctr"/>
@@ -14031,7 +13824,7 @@
                     <a:p>
                       <a:pPr algn="ctr" fontAlgn="ctr"/>
                       <a:r>
-                        <a:rPr lang="en-US" altLang="zh-CN" sz="2000" b="0" i="0" u="none" strike="noStrike" dirty="0" smtClean="0">
+                        <a:rPr lang="en-US" altLang="zh-CN" sz="2000" b="0" i="0" u="none" strike="noStrike" dirty="0">
                           <a:solidFill>
                             <a:srgbClr val="000000"/>
                           </a:solidFill>
@@ -14041,14 +13834,6 @@
                         </a:rPr>
                         <a:t>31</a:t>
                       </a:r>
-                      <a:endParaRPr lang="en-US" altLang="zh-CN" sz="2000" b="0" i="0" u="none" strike="noStrike" dirty="0">
-                        <a:solidFill>
-                          <a:srgbClr val="000000"/>
-                        </a:solidFill>
-                        <a:effectLst/>
-                        <a:latin typeface="+mn-lt"/>
-                        <a:ea typeface="等线" panose="02010600030101010101" pitchFamily="2" charset="-122"/>
-                      </a:endParaRPr>
                     </a:p>
                   </a:txBody>
                   <a:tcPr marL="7620" marR="7620" marT="7620" marB="0" anchor="ctr"/>
@@ -14060,7 +13845,7 @@
                     <a:p>
                       <a:pPr algn="ctr" fontAlgn="ctr"/>
                       <a:r>
-                        <a:rPr lang="en-US" altLang="zh-CN" sz="2000" u="none" strike="noStrike" dirty="0" smtClean="0">
+                        <a:rPr lang="en-US" altLang="zh-CN" sz="2000" u="none" strike="noStrike" dirty="0">
                           <a:effectLst/>
                         </a:rPr>
                         <a:t>00000000</a:t>
@@ -14084,7 +13869,7 @@
                     <a:p>
                       <a:pPr algn="ctr" fontAlgn="ctr"/>
                       <a:r>
-                        <a:rPr lang="en-US" altLang="zh-CN" sz="2000" u="none" strike="noStrike" kern="1200" dirty="0" smtClean="0">
+                        <a:rPr lang="en-US" altLang="zh-CN" sz="2000" u="none" strike="noStrike" kern="1200" dirty="0">
                           <a:solidFill>
                             <a:schemeClr val="dk1"/>
                           </a:solidFill>
@@ -14095,15 +13880,6 @@
                         </a:rPr>
                         <a:t>7C</a:t>
                       </a:r>
-                      <a:endParaRPr lang="en-US" altLang="zh-CN" sz="2000" u="none" strike="noStrike" kern="1200" dirty="0">
-                        <a:solidFill>
-                          <a:schemeClr val="dk1"/>
-                        </a:solidFill>
-                        <a:effectLst/>
-                        <a:latin typeface="+mn-lt"/>
-                        <a:ea typeface="+mn-ea"/>
-                        <a:cs typeface="+mn-cs"/>
-                      </a:endParaRPr>
                     </a:p>
                   </a:txBody>
                   <a:tcPr marL="7620" marR="7620" marT="7620" marB="0" anchor="ctr"/>
@@ -14146,13 +13922,6 @@
   <p:clrMapOvr>
     <a:masterClrMapping/>
   </p:clrMapOvr>
-  <p:timing>
-    <p:tnLst>
-      <p:par>
-        <p:cTn id="1" dur="indefinite" restart="never" nodeType="tmRoot"/>
-      </p:par>
-    </p:tnLst>
-  </p:timing>
 </p:sld>
 </file>
 
@@ -14192,7 +13961,7 @@
           <a:p>
             <a:pPr eaLnBrk="1" hangingPunct="1"/>
             <a:r>
-              <a:rPr lang="en-US" altLang="zh-CN" sz="4400" dirty="0" smtClean="0">
+              <a:rPr lang="en-US" altLang="zh-CN" sz="4400" dirty="0">
                 <a:solidFill>
                   <a:srgbClr val="19A1FD"/>
                 </a:solidFill>
@@ -14201,13 +13970,6 @@
               </a:rPr>
               <a:t>Test Bench </a:t>
             </a:r>
-            <a:endParaRPr lang="en-US" altLang="zh-CN" sz="4400" dirty="0">
-              <a:solidFill>
-                <a:srgbClr val="19A1FD"/>
-              </a:solidFill>
-              <a:latin typeface="+mn-lt"/>
-              <a:ea typeface="宋体" charset="-122"/>
-            </a:endParaRPr>
           </a:p>
         </p:txBody>
       </p:sp>
@@ -14336,13 +14098,6 @@
   <p:clrMapOvr>
     <a:masterClrMapping/>
   </p:clrMapOvr>
-  <p:timing>
-    <p:tnLst>
-      <p:par>
-        <p:cTn id="1" dur="indefinite" restart="never" nodeType="tmRoot"/>
-      </p:par>
-    </p:tnLst>
-  </p:timing>
 </p:sld>
 </file>
 
@@ -14434,13 +14189,6 @@
   <p:clrMapOvr>
     <a:masterClrMapping/>
   </p:clrMapOvr>
-  <p:timing>
-    <p:tnLst>
-      <p:par>
-        <p:cTn id="1" dur="indefinite" restart="never" nodeType="tmRoot"/>
-      </p:par>
-    </p:tnLst>
-  </p:timing>
 </p:sld>
 </file>
 
@@ -14532,13 +14280,6 @@
   <p:clrMapOvr>
     <a:masterClrMapping/>
   </p:clrMapOvr>
-  <p:timing>
-    <p:tnLst>
-      <p:par>
-        <p:cTn id="1" dur="indefinite" restart="never" nodeType="tmRoot"/>
-      </p:par>
-    </p:tnLst>
-  </p:timing>
 </p:sld>
 </file>
 
@@ -14630,13 +14371,6 @@
   <p:clrMapOvr>
     <a:masterClrMapping/>
   </p:clrMapOvr>
-  <p:timing>
-    <p:tnLst>
-      <p:par>
-        <p:cTn id="1" dur="indefinite" restart="never" nodeType="tmRoot"/>
-      </p:par>
-    </p:tnLst>
-  </p:timing>
 </p:sld>
 </file>
 
@@ -14728,13 +14462,6 @@
   <p:clrMapOvr>
     <a:masterClrMapping/>
   </p:clrMapOvr>
-  <p:timing>
-    <p:tnLst>
-      <p:par>
-        <p:cTn id="1" dur="indefinite" restart="never" nodeType="tmRoot"/>
-      </p:par>
-    </p:tnLst>
-  </p:timing>
 </p:sld>
 </file>
 
@@ -14826,13 +14553,6 @@
   <p:clrMapOvr>
     <a:masterClrMapping/>
   </p:clrMapOvr>
-  <p:timing>
-    <p:tnLst>
-      <p:par>
-        <p:cTn id="1" dur="indefinite" restart="never" nodeType="tmRoot"/>
-      </p:par>
-    </p:tnLst>
-  </p:timing>
 </p:sld>
 </file>
 
@@ -14879,25 +14599,8 @@
                 <a:latin typeface="+mn-lt"/>
                 <a:ea typeface="宋体" charset="-122"/>
               </a:rPr>
-              <a:t>Simulation </a:t>
-            </a:r>
-            <a:r>
-              <a:rPr lang="en-US" altLang="zh-CN" sz="4400" dirty="0" smtClean="0">
-                <a:solidFill>
-                  <a:srgbClr val="19A1FD"/>
-                </a:solidFill>
-                <a:latin typeface="+mn-lt"/>
-                <a:ea typeface="宋体" charset="-122"/>
-              </a:rPr>
-              <a:t>(6)</a:t>
-            </a:r>
-            <a:endParaRPr lang="en-US" altLang="zh-CN" sz="4400" dirty="0">
-              <a:solidFill>
-                <a:srgbClr val="19A1FD"/>
-              </a:solidFill>
-              <a:latin typeface="+mn-lt"/>
-              <a:ea typeface="宋体" charset="-122"/>
-            </a:endParaRPr>
+              <a:t>Simulation (6)</a:t>
+            </a:r>
           </a:p>
         </p:txBody>
       </p:sp>
@@ -14941,13 +14644,6 @@
   <p:clrMapOvr>
     <a:masterClrMapping/>
   </p:clrMapOvr>
-  <p:timing>
-    <p:tnLst>
-      <p:par>
-        <p:cTn id="1" dur="indefinite" restart="never" nodeType="tmRoot"/>
-      </p:par>
-    </p:tnLst>
-  </p:timing>
 </p:sld>
 </file>
 
@@ -14994,25 +14690,8 @@
                 <a:latin typeface="+mn-lt"/>
                 <a:ea typeface="宋体" charset="-122"/>
               </a:rPr>
-              <a:t>Simulation </a:t>
-            </a:r>
-            <a:r>
-              <a:rPr lang="en-US" altLang="zh-CN" sz="4400" dirty="0" smtClean="0">
-                <a:solidFill>
-                  <a:srgbClr val="19A1FD"/>
-                </a:solidFill>
-                <a:latin typeface="+mn-lt"/>
-                <a:ea typeface="宋体" charset="-122"/>
-              </a:rPr>
-              <a:t>(7)</a:t>
-            </a:r>
-            <a:endParaRPr lang="en-US" altLang="zh-CN" sz="4400" dirty="0">
-              <a:solidFill>
-                <a:srgbClr val="19A1FD"/>
-              </a:solidFill>
-              <a:latin typeface="+mn-lt"/>
-              <a:ea typeface="宋体" charset="-122"/>
-            </a:endParaRPr>
+              <a:t>Simulation (7)</a:t>
+            </a:r>
           </a:p>
         </p:txBody>
       </p:sp>
@@ -15056,13 +14735,6 @@
   <p:clrMapOvr>
     <a:masterClrMapping/>
   </p:clrMapOvr>
-  <p:timing>
-    <p:tnLst>
-      <p:par>
-        <p:cTn id="1" dur="indefinite" restart="never" nodeType="tmRoot"/>
-      </p:par>
-    </p:tnLst>
-  </p:timing>
 </p:sld>
 </file>
 
@@ -15163,14 +14835,7 @@
                 <a:latin typeface="+mn-lt"/>
                 <a:ea typeface="宋体" charset="-122"/>
               </a:rPr>
-              <a:t>Waveform Simulation of the Pipelined CPU with the verification </a:t>
-            </a:r>
-            <a:r>
-              <a:rPr lang="en-US" altLang="zh-CN" sz="3200" dirty="0" smtClean="0">
-                <a:latin typeface="+mn-lt"/>
-                <a:ea typeface="宋体" charset="-122"/>
-              </a:rPr>
-              <a:t>program</a:t>
+              <a:t>Waveform Simulation of the Pipelined CPU with the verification program</a:t>
             </a:r>
           </a:p>
           <a:p>
@@ -15225,13 +14890,6 @@
   <p:clrMapOvr>
     <a:masterClrMapping/>
   </p:clrMapOvr>
-  <p:timing>
-    <p:tnLst>
-      <p:par>
-        <p:cTn id="1" dur="indefinite" restart="never" nodeType="tmRoot"/>
-      </p:par>
-    </p:tnLst>
-  </p:timing>
 </p:sld>
 </file>
 
@@ -15271,7 +14929,7 @@
           <a:p>
             <a:pPr eaLnBrk="1" hangingPunct="1"/>
             <a:r>
-              <a:rPr lang="en-US" altLang="zh-CN" sz="4400" b="1" dirty="0" smtClean="0">
+              <a:rPr lang="en-US" altLang="zh-CN" sz="4400" b="1" dirty="0">
                 <a:solidFill>
                   <a:srgbClr val="19A1FD"/>
                 </a:solidFill>
@@ -15279,12 +14937,6 @@
               </a:rPr>
               <a:t>Outline</a:t>
             </a:r>
-            <a:endParaRPr lang="en-US" altLang="zh-CN" sz="4400" b="1" dirty="0">
-              <a:solidFill>
-                <a:srgbClr val="19A1FD"/>
-              </a:solidFill>
-              <a:latin typeface="+mn-lt"/>
-            </a:endParaRPr>
           </a:p>
         </p:txBody>
       </p:sp>
@@ -15367,16 +15019,12 @@
               <a:buChar char="•"/>
             </a:pPr>
             <a:r>
-              <a:rPr lang="en-US" altLang="zh-CN" sz="3200" dirty="0" smtClean="0">
+              <a:rPr lang="en-US" altLang="zh-CN" sz="3200" dirty="0">
                 <a:latin typeface="+mn-lt"/>
                 <a:ea typeface="宋体" charset="-122"/>
               </a:rPr>
               <a:t>Checkpoints</a:t>
             </a:r>
-            <a:endParaRPr lang="en-US" altLang="zh-CN" sz="3200" dirty="0">
-              <a:latin typeface="+mn-lt"/>
-              <a:ea typeface="宋体" charset="-122"/>
-            </a:endParaRPr>
           </a:p>
           <a:p>
             <a:pPr eaLnBrk="1" hangingPunct="1"/>
@@ -15397,13 +15045,6 @@
   <p:clrMapOvr>
     <a:masterClrMapping/>
   </p:clrMapOvr>
-  <p:timing>
-    <p:tnLst>
-      <p:par>
-        <p:cTn id="1" dur="indefinite" restart="never" nodeType="tmRoot"/>
-      </p:par>
-    </p:tnLst>
-  </p:timing>
 </p:sld>
 </file>
 
@@ -15511,13 +15152,6 @@
   <p:clrMapOvr>
     <a:masterClrMapping/>
   </p:clrMapOvr>
-  <p:timing>
-    <p:tnLst>
-      <p:par>
-        <p:cTn id="1" dur="indefinite" restart="never" nodeType="tmRoot"/>
-      </p:par>
-    </p:tnLst>
-  </p:timing>
 </p:sld>
 </file>
 
@@ -15634,7 +15268,7 @@
               <a:buChar char="•"/>
             </a:pPr>
             <a:r>
-              <a:rPr lang="en-US" altLang="zh-CN" sz="2800" dirty="0" smtClean="0">
+              <a:rPr lang="en-US" altLang="zh-CN" sz="2800" dirty="0">
                 <a:latin typeface="+mn-lt"/>
                 <a:ea typeface="宋体" pitchFamily="2" charset="-122"/>
               </a:rPr>
@@ -15679,14 +15313,7 @@
                 <a:latin typeface="+mn-lt"/>
                 <a:ea typeface="宋体" pitchFamily="2" charset="-122"/>
               </a:rPr>
-              <a:t> that support multicycle operations</a:t>
-            </a:r>
-            <a:r>
-              <a:rPr lang="en-US" altLang="zh-CN" sz="2800" dirty="0" smtClean="0">
-                <a:latin typeface="+mn-lt"/>
-                <a:ea typeface="宋体" pitchFamily="2" charset="-122"/>
-              </a:rPr>
-              <a:t>.</a:t>
+              <a:t> that support multicycle operations.</a:t>
             </a:r>
           </a:p>
           <a:p>
@@ -15695,14 +15322,14 @@
               <a:buChar char="•"/>
             </a:pPr>
             <a:r>
-              <a:rPr lang="en-US" altLang="zh-CN" sz="2800" dirty="0" smtClean="0">
+              <a:rPr lang="en-US" altLang="zh-CN" sz="2800" dirty="0">
                 <a:latin typeface="+mn-lt"/>
                 <a:ea typeface="宋体" pitchFamily="2" charset="-122"/>
               </a:rPr>
               <a:t>Master </a:t>
             </a:r>
             <a:r>
-              <a:rPr lang="en-US" altLang="zh-CN" sz="2800" dirty="0" smtClean="0">
+              <a:rPr lang="en-US" altLang="zh-CN" sz="2800" dirty="0">
                 <a:solidFill>
                   <a:srgbClr val="FF0000"/>
                 </a:solidFill>
@@ -15716,21 +15343,7 @@
                 <a:latin typeface="+mn-lt"/>
                 <a:ea typeface="宋体" pitchFamily="2" charset="-122"/>
               </a:rPr>
-              <a:t> methods of </a:t>
-            </a:r>
-            <a:r>
-              <a:rPr lang="en-US" altLang="zh-CN" sz="2800" dirty="0" smtClean="0">
-                <a:latin typeface="+mn-lt"/>
-                <a:ea typeface="宋体" pitchFamily="2" charset="-122"/>
-              </a:rPr>
-              <a:t>pipelined CPU </a:t>
-            </a:r>
-            <a:r>
-              <a:rPr lang="en-US" altLang="zh-CN" sz="2800" dirty="0">
-                <a:latin typeface="+mn-lt"/>
-                <a:ea typeface="宋体" pitchFamily="2" charset="-122"/>
-              </a:rPr>
-              <a:t>supporting multicycle operations.</a:t>
+              <a:t> methods of pipelined CPU supporting multicycle operations.</a:t>
             </a:r>
           </a:p>
           <a:p>
@@ -15755,13 +15368,6 @@
   <p:clrMapOvr>
     <a:masterClrMapping/>
   </p:clrMapOvr>
-  <p:timing>
-    <p:tnLst>
-      <p:par>
-        <p:cTn id="1" dur="indefinite" restart="never" nodeType="tmRoot"/>
-      </p:par>
-    </p:tnLst>
-  </p:timing>
 </p:sld>
 </file>
 
@@ -15839,14 +15445,14 @@
               <a:buChar char="•"/>
             </a:pPr>
             <a:r>
-              <a:rPr lang="en-US" altLang="zh-CN" sz="3200" dirty="0" smtClean="0">
+              <a:rPr lang="en-US" altLang="zh-CN" sz="3200" dirty="0">
                 <a:latin typeface="+mn-lt"/>
                 <a:ea typeface="宋体" pitchFamily="2" charset="-122"/>
               </a:rPr>
               <a:t>Redesign the pipelines with </a:t>
             </a:r>
             <a:r>
-              <a:rPr lang="en-US" altLang="zh-CN" sz="3200" dirty="0" smtClean="0">
+              <a:rPr lang="en-US" altLang="zh-CN" sz="3200" dirty="0">
                 <a:solidFill>
                   <a:srgbClr val="FF0000"/>
                 </a:solidFill>
@@ -15856,14 +15462,14 @@
               <a:t>IF/ID/FU/WB</a:t>
             </a:r>
             <a:r>
-              <a:rPr lang="en-US" altLang="zh-CN" sz="3200" dirty="0" smtClean="0">
+              <a:rPr lang="en-US" altLang="zh-CN" sz="3200" dirty="0">
                 <a:latin typeface="+mn-lt"/>
                 <a:ea typeface="宋体" pitchFamily="2" charset="-122"/>
               </a:rPr>
               <a:t> stages and FU stage </a:t>
             </a:r>
             <a:r>
-              <a:rPr lang="en-US" altLang="zh-CN" sz="3200" dirty="0" smtClean="0">
+              <a:rPr lang="en-US" altLang="zh-CN" sz="3200" dirty="0">
                 <a:solidFill>
                   <a:srgbClr val="FF0000"/>
                 </a:solidFill>
@@ -15879,49 +15485,6 @@
               </a:rPr>
               <a:t>.</a:t>
             </a:r>
-            <a:endParaRPr lang="en-US" altLang="zh-CN" sz="3200" dirty="0" smtClean="0">
-              <a:latin typeface="+mn-lt"/>
-              <a:ea typeface="宋体" pitchFamily="2" charset="-122"/>
-            </a:endParaRPr>
-          </a:p>
-          <a:p>
-            <a:pPr>
-              <a:lnSpc>
-                <a:spcPct val="100000"/>
-              </a:lnSpc>
-              <a:spcBef>
-                <a:spcPts val="672"/>
-              </a:spcBef>
-              <a:buFontTx/>
-              <a:buChar char="•"/>
-            </a:pPr>
-            <a:endParaRPr lang="en-US" altLang="zh-CN" sz="3200" dirty="0" smtClean="0">
-              <a:latin typeface="+mn-lt"/>
-              <a:ea typeface="宋体" pitchFamily="2" charset="-122"/>
-            </a:endParaRPr>
-          </a:p>
-          <a:p>
-            <a:pPr>
-              <a:lnSpc>
-                <a:spcPct val="100000"/>
-              </a:lnSpc>
-              <a:spcBef>
-                <a:spcPts val="672"/>
-              </a:spcBef>
-              <a:buFontTx/>
-              <a:buChar char="•"/>
-            </a:pPr>
-            <a:r>
-              <a:rPr lang="en-US" altLang="zh-CN" sz="3200" dirty="0" smtClean="0">
-                <a:latin typeface="+mn-lt"/>
-                <a:ea typeface="宋体" pitchFamily="2" charset="-122"/>
-              </a:rPr>
-              <a:t>Redesign of CPU Controller.</a:t>
-            </a:r>
-            <a:endParaRPr lang="en-US" altLang="zh-CN" sz="3200" dirty="0">
-              <a:latin typeface="+mn-lt"/>
-              <a:ea typeface="宋体" pitchFamily="2" charset="-122"/>
-            </a:endParaRPr>
           </a:p>
           <a:p>
             <a:pPr>
@@ -15952,34 +15515,10 @@
             </a:pPr>
             <a:r>
               <a:rPr lang="en-US" altLang="zh-CN" sz="3200" dirty="0">
-                <a:solidFill>
-                  <a:srgbClr val="FF0000"/>
-                </a:solidFill>
                 <a:latin typeface="+mn-lt"/>
                 <a:ea typeface="宋体" pitchFamily="2" charset="-122"/>
               </a:rPr>
-              <a:t>Verify the Pipelined CPU with program </a:t>
-            </a:r>
-            <a:r>
-              <a:rPr lang="en-US" altLang="zh-CN" sz="3200" dirty="0">
-                <a:latin typeface="+mn-lt"/>
-                <a:ea typeface="宋体" pitchFamily="2" charset="-122"/>
-              </a:rPr>
-              <a:t>and observe the execution of </a:t>
-            </a:r>
-            <a:r>
-              <a:rPr lang="en-US" altLang="zh-CN" sz="3200" dirty="0" smtClean="0">
-                <a:latin typeface="+mn-lt"/>
-                <a:ea typeface="宋体" pitchFamily="2" charset="-122"/>
-              </a:rPr>
-              <a:t>program</a:t>
-            </a:r>
-            <a:r>
-              <a:rPr lang="en-US" altLang="zh-CN" sz="3200" dirty="0">
-                <a:latin typeface="+mn-lt"/>
-                <a:ea typeface="宋体" pitchFamily="2" charset="-122"/>
-              </a:rPr>
-              <a:t>.</a:t>
+              <a:t>Redesign of CPU Controller.</a:t>
             </a:r>
           </a:p>
           <a:p>
@@ -15998,6 +15537,51 @@
               <a:ea typeface="宋体" pitchFamily="2" charset="-122"/>
             </a:endParaRPr>
           </a:p>
+          <a:p>
+            <a:pPr>
+              <a:lnSpc>
+                <a:spcPct val="100000"/>
+              </a:lnSpc>
+              <a:spcBef>
+                <a:spcPts val="672"/>
+              </a:spcBef>
+              <a:buFontTx/>
+              <a:buChar char="•"/>
+            </a:pPr>
+            <a:r>
+              <a:rPr lang="en-US" altLang="zh-CN" sz="3200" dirty="0">
+                <a:solidFill>
+                  <a:srgbClr val="FF0000"/>
+                </a:solidFill>
+                <a:latin typeface="+mn-lt"/>
+                <a:ea typeface="宋体" pitchFamily="2" charset="-122"/>
+              </a:rPr>
+              <a:t>Verify the Pipelined CPU with program </a:t>
+            </a:r>
+            <a:r>
+              <a:rPr lang="en-US" altLang="zh-CN" sz="3200" dirty="0">
+                <a:latin typeface="+mn-lt"/>
+                <a:ea typeface="宋体" pitchFamily="2" charset="-122"/>
+              </a:rPr>
+              <a:t>and observe the execution of program.</a:t>
+            </a:r>
+          </a:p>
+          <a:p>
+            <a:pPr>
+              <a:lnSpc>
+                <a:spcPct val="100000"/>
+              </a:lnSpc>
+              <a:spcBef>
+                <a:spcPts val="672"/>
+              </a:spcBef>
+              <a:buFontTx/>
+              <a:buChar char="•"/>
+            </a:pPr>
+            <a:endParaRPr lang="en-US" altLang="zh-CN" sz="3200" dirty="0">
+              <a:latin typeface="+mn-lt"/>
+              <a:ea typeface="宋体" pitchFamily="2" charset="-122"/>
+            </a:endParaRPr>
+          </a:p>
         </p:txBody>
       </p:sp>
     </p:spTree>
@@ -16010,13 +15594,6 @@
   <p:clrMapOvr>
     <a:masterClrMapping/>
   </p:clrMapOvr>
-  <p:timing>
-    <p:tnLst>
-      <p:par>
-        <p:cTn id="1" dur="indefinite" restart="never" nodeType="tmRoot"/>
-      </p:par>
-    </p:tnLst>
-  </p:timing>
 </p:sld>
 </file>
 
@@ -16071,13 +15648,6 @@
   <p:clrMapOvr>
     <a:masterClrMapping/>
   </p:clrMapOvr>
-  <p:timing>
-    <p:tnLst>
-      <p:par>
-        <p:cTn id="1" dur="indefinite" restart="never" nodeType="tmRoot"/>
-      </p:par>
-    </p:tnLst>
-  </p:timing>
 </p:sld>
 </file>
 
@@ -16117,7 +15687,7 @@
           <a:p>
             <a:pPr eaLnBrk="1" hangingPunct="1"/>
             <a:r>
-              <a:rPr lang="en-US" altLang="zh-CN" sz="4400" dirty="0" smtClean="0">
+              <a:rPr lang="en-US" altLang="zh-CN" sz="4400" dirty="0">
                 <a:solidFill>
                   <a:srgbClr val="19A1FD"/>
                 </a:solidFill>
@@ -16126,13 +15696,6 @@
               </a:rPr>
               <a:t>Pipelines resolving Data Hazards</a:t>
             </a:r>
-            <a:endParaRPr lang="en-US" altLang="zh-CN" sz="4400" dirty="0">
-              <a:solidFill>
-                <a:srgbClr val="19A1FD"/>
-              </a:solidFill>
-              <a:latin typeface="+mn-lt"/>
-              <a:ea typeface="宋体" pitchFamily="2" charset="-122"/>
-            </a:endParaRPr>
           </a:p>
         </p:txBody>
       </p:sp>
@@ -16160,6 +15723,80 @@
           </a:prstGeom>
         </p:spPr>
       </p:pic>
+      <p:cxnSp>
+        <p:nvCxnSpPr>
+          <p:cNvPr id="3" name="直线连接符 2">
+            <a:extLst>
+              <a:ext uri="{FF2B5EF4-FFF2-40B4-BE49-F238E27FC236}">
+                <a16:creationId xmlns:a16="http://schemas.microsoft.com/office/drawing/2014/main" id="{F54A996A-B56B-1A47-ACF7-3DC99D47AE1A}"/>
+              </a:ext>
+            </a:extLst>
+          </p:cNvPr>
+          <p:cNvCxnSpPr/>
+          <p:nvPr/>
+        </p:nvCxnSpPr>
+        <p:spPr>
+          <a:xfrm>
+            <a:off x="2927648" y="0"/>
+            <a:ext cx="0" cy="6021288"/>
+          </a:xfrm>
+          <a:prstGeom prst="line">
+            <a:avLst/>
+          </a:prstGeom>
+          <a:ln w="47625"/>
+        </p:spPr>
+        <p:style>
+          <a:lnRef idx="1">
+            <a:schemeClr val="accent1"/>
+          </a:lnRef>
+          <a:fillRef idx="0">
+            <a:schemeClr val="accent1"/>
+          </a:fillRef>
+          <a:effectRef idx="0">
+            <a:schemeClr val="accent1"/>
+          </a:effectRef>
+          <a:fontRef idx="minor">
+            <a:schemeClr val="tx1"/>
+          </a:fontRef>
+        </p:style>
+      </p:cxnSp>
+      <p:cxnSp>
+        <p:nvCxnSpPr>
+          <p:cNvPr id="6" name="直线连接符 5">
+            <a:extLst>
+              <a:ext uri="{FF2B5EF4-FFF2-40B4-BE49-F238E27FC236}">
+                <a16:creationId xmlns:a16="http://schemas.microsoft.com/office/drawing/2014/main" id="{10DC0D46-3466-C74D-9641-2E8913BFA222}"/>
+              </a:ext>
+            </a:extLst>
+          </p:cNvPr>
+          <p:cNvCxnSpPr/>
+          <p:nvPr/>
+        </p:nvCxnSpPr>
+        <p:spPr>
+          <a:xfrm>
+            <a:off x="7032104" y="332656"/>
+            <a:ext cx="0" cy="6021288"/>
+          </a:xfrm>
+          <a:prstGeom prst="line">
+            <a:avLst/>
+          </a:prstGeom>
+          <a:ln w="47625"/>
+        </p:spPr>
+        <p:style>
+          <a:lnRef idx="1">
+            <a:schemeClr val="accent1"/>
+          </a:lnRef>
+          <a:fillRef idx="0">
+            <a:schemeClr val="accent1"/>
+          </a:fillRef>
+          <a:effectRef idx="0">
+            <a:schemeClr val="accent1"/>
+          </a:effectRef>
+          <a:fontRef idx="minor">
+            <a:schemeClr val="tx1"/>
+          </a:fontRef>
+        </p:style>
+      </p:cxnSp>
     </p:spTree>
     <p:extLst>
       <p:ext uri="{BB962C8B-B14F-4D97-AF65-F5344CB8AC3E}">
@@ -16170,13 +15807,6 @@
   <p:clrMapOvr>
     <a:masterClrMapping/>
   </p:clrMapOvr>
-  <p:timing>
-    <p:tnLst>
-      <p:par>
-        <p:cTn id="1" dur="indefinite" restart="never" nodeType="tmRoot"/>
-      </p:par>
-    </p:tnLst>
-  </p:timing>
 </p:sld>
 </file>
 
@@ -16224,13 +15854,6 @@
               </a:rPr>
               <a:t>Methods of resolving Control hazards</a:t>
             </a:r>
-            <a:endParaRPr lang="en-US" altLang="zh-CN" sz="4400" dirty="0">
-              <a:solidFill>
-                <a:srgbClr val="19A1FD"/>
-              </a:solidFill>
-              <a:latin typeface="+mn-lt"/>
-              <a:ea typeface="宋体" pitchFamily="2" charset="-122"/>
-            </a:endParaRPr>
           </a:p>
         </p:txBody>
       </p:sp>
@@ -16423,7 +16046,7 @@
               <a:buChar char="•"/>
             </a:pPr>
             <a:r>
-              <a:rPr lang="en-US" altLang="zh-CN" sz="3600" dirty="0" smtClean="0">
+              <a:rPr lang="en-US" altLang="zh-CN" sz="3600" dirty="0">
                 <a:latin typeface="+mn-lt"/>
                 <a:ea typeface="宋体" charset="-122"/>
               </a:rPr>
@@ -16439,21 +16062,21 @@
               <a:buChar char="•"/>
             </a:pPr>
             <a:r>
-              <a:rPr lang="en-US" altLang="zh-CN" sz="3600" dirty="0" smtClean="0">
+              <a:rPr lang="en-US" altLang="zh-CN" sz="3600" dirty="0">
                 <a:latin typeface="+mn-lt"/>
                 <a:ea typeface="宋体" charset="-122"/>
               </a:rPr>
               <a:t>Condition and </a:t>
             </a:r>
             <a:r>
-              <a:rPr lang="en-US" altLang="zh-CN" sz="3600" dirty="0" err="1" smtClean="0">
+              <a:rPr lang="en-US" altLang="zh-CN" sz="3600" dirty="0" err="1">
                 <a:latin typeface="+mn-lt"/>
                 <a:ea typeface="宋体" charset="-122"/>
               </a:rPr>
               <a:t>Addr</a:t>
             </a:r>
             <a:r>
-              <a:rPr lang="en-US" altLang="zh-CN" sz="3600" dirty="0" smtClean="0">
+              <a:rPr lang="en-US" altLang="zh-CN" sz="3600" dirty="0">
                 <a:latin typeface="+mn-lt"/>
                 <a:ea typeface="宋体" charset="-122"/>
               </a:rPr>
@@ -16496,13 +16119,6 @@
   <p:clrMapOvr>
     <a:masterClrMapping/>
   </p:clrMapOvr>
-  <p:timing>
-    <p:tnLst>
-      <p:par>
-        <p:cTn id="1" dur="indefinite" restart="never" nodeType="tmRoot"/>
-      </p:par>
-    </p:tnLst>
-  </p:timing>
 </p:sld>
 </file>
 
@@ -17485,13 +17101,13 @@
                     <a:p>
                       <a:pPr algn="l" fontAlgn="ctr"/>
                       <a:r>
-                        <a:rPr lang="en-US" sz="2200" u="none" strike="noStrike" dirty="0" err="1" smtClean="0">
+                        <a:rPr lang="en-US" sz="2200" u="none" strike="noStrike" dirty="0" err="1">
                           <a:effectLst/>
                         </a:rPr>
                         <a:t>addi</a:t>
                       </a:r>
                       <a:r>
-                        <a:rPr lang="en-US" sz="2200" u="none" strike="noStrike" dirty="0" smtClean="0">
+                        <a:rPr lang="en-US" sz="2200" u="none" strike="noStrike" dirty="0">
                           <a:effectLst/>
                         </a:rPr>
                         <a:t> x3, x1, -1</a:t>
@@ -18097,7 +17713,7 @@
                     <a:p>
                       <a:pPr algn="l" fontAlgn="ctr"/>
                       <a:r>
-                        <a:rPr lang="en-US" sz="2200" u="none" strike="noStrike" dirty="0" smtClean="0">
+                        <a:rPr lang="en-US" sz="2200" u="none" strike="noStrike" dirty="0">
                           <a:effectLst/>
                         </a:rPr>
                         <a:t>sub x8,x4,x2</a:t>
@@ -18244,13 +17860,13 @@
                     <a:p>
                       <a:pPr algn="l" fontAlgn="ctr"/>
                       <a:r>
-                        <a:rPr lang="en-US" sz="2200" u="none" strike="noStrike" dirty="0" err="1" smtClean="0">
+                        <a:rPr lang="en-US" sz="2200" u="none" strike="noStrike" dirty="0" err="1">
                           <a:effectLst/>
                         </a:rPr>
                         <a:t>addi</a:t>
                       </a:r>
                       <a:r>
-                        <a:rPr lang="en-US" sz="2200" u="none" strike="noStrike" dirty="0" smtClean="0">
+                        <a:rPr lang="en-US" sz="2200" u="none" strike="noStrike" dirty="0">
                           <a:effectLst/>
                         </a:rPr>
                         <a:t> x9,x10,-3</a:t>
@@ -18397,13 +18013,13 @@
                     <a:p>
                       <a:pPr algn="l" fontAlgn="ctr"/>
                       <a:r>
-                        <a:rPr lang="en-US" sz="2200" u="none" strike="noStrike" dirty="0" err="1" smtClean="0">
+                        <a:rPr lang="en-US" sz="2200" u="none" strike="noStrike" dirty="0" err="1">
                           <a:effectLst/>
                         </a:rPr>
                         <a:t>beq</a:t>
                       </a:r>
                       <a:r>
-                        <a:rPr lang="en-US" sz="2200" u="none" strike="noStrike" dirty="0" smtClean="0">
+                        <a:rPr lang="en-US" sz="2200" u="none" strike="noStrike" dirty="0">
                           <a:effectLst/>
                         </a:rPr>
                         <a:t>  x4,x5,label0</a:t>
@@ -18550,13 +18166,13 @@
                     <a:p>
                       <a:pPr algn="l" fontAlgn="ctr"/>
                       <a:r>
-                        <a:rPr lang="en-US" sz="2200" u="none" strike="noStrike" dirty="0" err="1" smtClean="0">
+                        <a:rPr lang="en-US" sz="2200" u="none" strike="noStrike" dirty="0" err="1">
                           <a:effectLst/>
                         </a:rPr>
                         <a:t>beq</a:t>
                       </a:r>
                       <a:r>
-                        <a:rPr lang="en-US" sz="2200" u="none" strike="noStrike" dirty="0" smtClean="0">
+                        <a:rPr lang="en-US" sz="2200" u="none" strike="noStrike" dirty="0">
                           <a:effectLst/>
                         </a:rPr>
                         <a:t>  x4,x4,label0</a:t>
@@ -18703,13 +18319,13 @@
                     <a:p>
                       <a:pPr algn="l" fontAlgn="ctr"/>
                       <a:r>
-                        <a:rPr lang="en-US" sz="2200" u="none" strike="noStrike" dirty="0" err="1" smtClean="0">
+                        <a:rPr lang="en-US" sz="2200" u="none" strike="noStrike" dirty="0" err="1">
                           <a:effectLst/>
                         </a:rPr>
                         <a:t>addi</a:t>
                       </a:r>
                       <a:r>
-                        <a:rPr lang="en-US" sz="2200" u="none" strike="noStrike" dirty="0" smtClean="0">
+                        <a:rPr lang="en-US" sz="2200" u="none" strike="noStrike" dirty="0">
                           <a:effectLst/>
                         </a:rPr>
                         <a:t> x20,x0,48</a:t>
@@ -18856,13 +18472,13 @@
                     <a:p>
                       <a:pPr algn="l" fontAlgn="ctr"/>
                       <a:r>
-                        <a:rPr lang="en-US" sz="2200" u="none" strike="noStrike" dirty="0" err="1" smtClean="0">
+                        <a:rPr lang="en-US" sz="2200" u="none" strike="noStrike" dirty="0" err="1">
                           <a:effectLst/>
                         </a:rPr>
                         <a:t>addi</a:t>
                       </a:r>
                       <a:r>
-                        <a:rPr lang="en-US" sz="2200" u="none" strike="noStrike" dirty="0" smtClean="0">
+                        <a:rPr lang="en-US" sz="2200" u="none" strike="noStrike" dirty="0">
                           <a:effectLst/>
                         </a:rPr>
                         <a:t> x20,x0,52</a:t>
@@ -19009,13 +18625,13 @@
                     <a:p>
                       <a:pPr algn="l" fontAlgn="ctr"/>
                       <a:r>
-                        <a:rPr lang="en-US" sz="2200" u="none" strike="noStrike" dirty="0" err="1" smtClean="0">
+                        <a:rPr lang="en-US" sz="2200" u="none" strike="noStrike" dirty="0" err="1">
                           <a:effectLst/>
                         </a:rPr>
                         <a:t>addi</a:t>
                       </a:r>
                       <a:r>
-                        <a:rPr lang="en-US" sz="2200" u="none" strike="noStrike" dirty="0" smtClean="0">
+                        <a:rPr lang="en-US" sz="2200" u="none" strike="noStrike" dirty="0">
                           <a:effectLst/>
                         </a:rPr>
                         <a:t> x20,x0,56</a:t>
@@ -19076,13 +18692,6 @@
   <p:clrMapOvr>
     <a:masterClrMapping/>
   </p:clrMapOvr>
-  <p:timing>
-    <p:tnLst>
-      <p:par>
-        <p:cTn id="1" dur="indefinite" restart="never" nodeType="tmRoot"/>
-      </p:par>
-    </p:tnLst>
-  </p:timing>
 </p:sld>
 </file>
 
@@ -19129,25 +18738,8 @@
                 <a:latin typeface="+mn-lt"/>
                 <a:ea typeface="宋体" charset="-122"/>
               </a:rPr>
-              <a:t>Instr. Mem</a:t>
-            </a:r>
-            <a:r>
-              <a:rPr lang="en-US" altLang="zh-CN" sz="4400" dirty="0" smtClean="0">
-                <a:solidFill>
-                  <a:srgbClr val="19A1FD"/>
-                </a:solidFill>
-                <a:latin typeface="+mn-lt"/>
-                <a:ea typeface="宋体" charset="-122"/>
-              </a:rPr>
-              <a:t>.(2)</a:t>
-            </a:r>
-            <a:endParaRPr lang="en-US" altLang="zh-CN" sz="4400" dirty="0">
-              <a:solidFill>
-                <a:srgbClr val="19A1FD"/>
-              </a:solidFill>
-              <a:latin typeface="+mn-lt"/>
-              <a:ea typeface="宋体" charset="-122"/>
-            </a:endParaRPr>
+              <a:t>Instr. Mem.(2)</a:t>
+            </a:r>
           </a:p>
         </p:txBody>
       </p:sp>
@@ -19477,7 +19069,7 @@
                     <a:p>
                       <a:pPr algn="l" fontAlgn="ctr"/>
                       <a:r>
-                        <a:rPr lang="en-US" sz="2200" b="0" i="0" u="none" strike="noStrike" dirty="0" err="1" smtClean="0">
+                        <a:rPr lang="en-US" sz="2200" b="0" i="0" u="none" strike="noStrike" dirty="0" err="1">
                           <a:solidFill>
                             <a:srgbClr val="000000"/>
                           </a:solidFill>
@@ -19488,7 +19080,7 @@
                         <a:t>addi</a:t>
                       </a:r>
                       <a:r>
-                        <a:rPr lang="en-US" sz="2200" b="0" i="0" u="none" strike="noStrike" dirty="0" smtClean="0">
+                        <a:rPr lang="en-US" sz="2200" b="0" i="0" u="none" strike="noStrike" dirty="0">
                           <a:solidFill>
                             <a:srgbClr val="000000"/>
                           </a:solidFill>
@@ -19498,14 +19090,6 @@
                         </a:rPr>
                         <a:t> x20,x0,60</a:t>
                       </a:r>
-                      <a:endParaRPr lang="en-US" sz="2200" b="0" i="0" u="none" strike="noStrike" dirty="0">
-                        <a:solidFill>
-                          <a:srgbClr val="000000"/>
-                        </a:solidFill>
-                        <a:effectLst/>
-                        <a:latin typeface="+mn-lt"/>
-                        <a:ea typeface="等线" panose="02010600030101010101" pitchFamily="2" charset="-122"/>
-                      </a:endParaRPr>
                     </a:p>
                   </a:txBody>
                   <a:tcPr marL="7620" marR="7620" marT="7620" marB="0" anchor="ctr"/>
@@ -19610,7 +19194,7 @@
                     <a:p>
                       <a:pPr algn="l" fontAlgn="ctr"/>
                       <a:r>
-                        <a:rPr lang="en-US" altLang="zh-CN" sz="2200" b="0" i="0" u="none" strike="noStrike" dirty="0" smtClean="0">
+                        <a:rPr lang="en-US" altLang="zh-CN" sz="2200" b="0" i="0" u="none" strike="noStrike" dirty="0">
                           <a:solidFill>
                             <a:srgbClr val="000000"/>
                           </a:solidFill>
@@ -19639,7 +19223,7 @@
                     <a:p>
                       <a:pPr algn="l" fontAlgn="ctr"/>
                       <a:r>
-                        <a:rPr lang="en-US" sz="2200" b="0" i="0" u="none" strike="noStrike" dirty="0" err="1" smtClean="0">
+                        <a:rPr lang="en-US" sz="2200" b="0" i="0" u="none" strike="noStrike" dirty="0" err="1">
                           <a:solidFill>
                             <a:srgbClr val="000000"/>
                           </a:solidFill>
@@ -19650,7 +19234,7 @@
                         <a:t>lui</a:t>
                       </a:r>
                       <a:r>
-                        <a:rPr lang="en-US" sz="2200" b="0" i="0" u="none" strike="noStrike" dirty="0" smtClean="0">
+                        <a:rPr lang="en-US" sz="2200" b="0" i="0" u="none" strike="noStrike" dirty="0">
                           <a:solidFill>
                             <a:srgbClr val="000000"/>
                           </a:solidFill>
@@ -19660,14 +19244,6 @@
                         </a:rPr>
                         <a:t>  x10,4</a:t>
                       </a:r>
-                      <a:endParaRPr lang="en-US" sz="2200" b="0" i="0" u="none" strike="noStrike" dirty="0">
-                        <a:solidFill>
-                          <a:srgbClr val="000000"/>
-                        </a:solidFill>
-                        <a:effectLst/>
-                        <a:latin typeface="+mn-lt"/>
-                        <a:ea typeface="等线" panose="02010600030101010101" pitchFamily="2" charset="-122"/>
-                      </a:endParaRPr>
                     </a:p>
                   </a:txBody>
                   <a:tcPr marL="7620" marR="7620" marT="7620" marB="0" anchor="ctr"/>
@@ -19793,7 +19369,7 @@
                     <a:p>
                       <a:pPr algn="l" fontAlgn="ctr"/>
                       <a:r>
-                        <a:rPr lang="en-US" sz="2200" b="0" i="0" u="none" strike="noStrike" dirty="0" err="1" smtClean="0">
+                        <a:rPr lang="en-US" sz="2200" b="0" i="0" u="none" strike="noStrike" dirty="0" err="1">
                           <a:solidFill>
                             <a:srgbClr val="000000"/>
                           </a:solidFill>
@@ -19804,7 +19380,7 @@
                         <a:t>jal</a:t>
                       </a:r>
                       <a:r>
-                        <a:rPr lang="en-US" sz="2200" b="0" i="0" u="none" strike="noStrike" dirty="0" smtClean="0">
+                        <a:rPr lang="en-US" sz="2200" b="0" i="0" u="none" strike="noStrike" dirty="0">
                           <a:solidFill>
                             <a:srgbClr val="000000"/>
                           </a:solidFill>
@@ -19814,14 +19390,6 @@
                         </a:rPr>
                         <a:t>  x11,20</a:t>
                       </a:r>
-                      <a:endParaRPr lang="en-US" sz="2200" b="0" i="0" u="none" strike="noStrike" dirty="0">
-                        <a:solidFill>
-                          <a:srgbClr val="000000"/>
-                        </a:solidFill>
-                        <a:effectLst/>
-                        <a:latin typeface="+mn-lt"/>
-                        <a:ea typeface="等线" panose="02010600030101010101" pitchFamily="2" charset="-122"/>
-                      </a:endParaRPr>
                     </a:p>
                   </a:txBody>
                   <a:tcPr marL="7620" marR="7620" marT="7620" marB="0" anchor="ctr"/>
@@ -19947,7 +19515,7 @@
                     <a:p>
                       <a:pPr algn="l" fontAlgn="ctr"/>
                       <a:r>
-                        <a:rPr lang="en-US" sz="2200" b="0" i="0" u="none" strike="noStrike" dirty="0" err="1" smtClean="0">
+                        <a:rPr lang="en-US" sz="2200" b="0" i="0" u="none" strike="noStrike" dirty="0" err="1">
                           <a:solidFill>
                             <a:srgbClr val="000000"/>
                           </a:solidFill>
@@ -19958,7 +19526,7 @@
                         <a:t>addi</a:t>
                       </a:r>
                       <a:r>
-                        <a:rPr lang="en-US" sz="2200" b="0" i="0" u="none" strike="noStrike" dirty="0" smtClean="0">
+                        <a:rPr lang="en-US" sz="2200" b="0" i="0" u="none" strike="noStrike" dirty="0">
                           <a:solidFill>
                             <a:srgbClr val="000000"/>
                           </a:solidFill>
@@ -19968,14 +19536,6 @@
                         </a:rPr>
                         <a:t> x20,x0,72</a:t>
                       </a:r>
-                      <a:endParaRPr lang="en-US" sz="2200" b="0" i="0" u="none" strike="noStrike" dirty="0">
-                        <a:solidFill>
-                          <a:srgbClr val="000000"/>
-                        </a:solidFill>
-                        <a:effectLst/>
-                        <a:latin typeface="+mn-lt"/>
-                        <a:ea typeface="等线" panose="02010600030101010101" pitchFamily="2" charset="-122"/>
-                      </a:endParaRPr>
                     </a:p>
                   </a:txBody>
                   <a:tcPr marL="7620" marR="7620" marT="7620" marB="0" anchor="ctr"/>
@@ -20101,7 +19661,7 @@
                     <a:p>
                       <a:pPr algn="l" fontAlgn="ctr"/>
                       <a:r>
-                        <a:rPr lang="en-US" sz="2200" b="0" i="0" u="none" strike="noStrike" dirty="0" err="1" smtClean="0">
+                        <a:rPr lang="en-US" sz="2200" b="0" i="0" u="none" strike="noStrike" dirty="0" err="1">
                           <a:solidFill>
                             <a:srgbClr val="000000"/>
                           </a:solidFill>
@@ -20112,7 +19672,7 @@
                         <a:t>addi</a:t>
                       </a:r>
                       <a:r>
-                        <a:rPr lang="en-US" sz="2200" b="0" i="0" u="none" strike="noStrike" dirty="0" smtClean="0">
+                        <a:rPr lang="en-US" sz="2200" b="0" i="0" u="none" strike="noStrike" dirty="0">
                           <a:solidFill>
                             <a:srgbClr val="000000"/>
                           </a:solidFill>
@@ -20122,14 +19682,6 @@
                         </a:rPr>
                         <a:t> x20,x0,76</a:t>
                       </a:r>
-                      <a:endParaRPr lang="en-US" sz="2200" b="0" i="0" u="none" strike="noStrike" dirty="0">
-                        <a:solidFill>
-                          <a:srgbClr val="000000"/>
-                        </a:solidFill>
-                        <a:effectLst/>
-                        <a:latin typeface="+mn-lt"/>
-                        <a:ea typeface="等线" panose="02010600030101010101" pitchFamily="2" charset="-122"/>
-                      </a:endParaRPr>
                     </a:p>
                   </a:txBody>
                   <a:tcPr marL="7620" marR="7620" marT="7620" marB="0" anchor="ctr"/>
@@ -20255,7 +19807,7 @@
                     <a:p>
                       <a:pPr algn="l" fontAlgn="ctr"/>
                       <a:r>
-                        <a:rPr lang="en-US" sz="2200" b="0" i="0" u="none" strike="noStrike" dirty="0" err="1" smtClean="0">
+                        <a:rPr lang="en-US" sz="2200" b="0" i="0" u="none" strike="noStrike" dirty="0" err="1">
                           <a:solidFill>
                             <a:srgbClr val="000000"/>
                           </a:solidFill>
@@ -20266,7 +19818,7 @@
                         <a:t>addi</a:t>
                       </a:r>
                       <a:r>
-                        <a:rPr lang="en-US" sz="2200" b="0" i="0" u="none" strike="noStrike" dirty="0" smtClean="0">
+                        <a:rPr lang="en-US" sz="2200" b="0" i="0" u="none" strike="noStrike" dirty="0">
                           <a:solidFill>
                             <a:srgbClr val="000000"/>
                           </a:solidFill>
@@ -20276,14 +19828,6 @@
                         </a:rPr>
                         <a:t> x20,x0,80</a:t>
                       </a:r>
-                      <a:endParaRPr lang="en-US" sz="2200" b="0" i="0" u="none" strike="noStrike" dirty="0">
-                        <a:solidFill>
-                          <a:srgbClr val="000000"/>
-                        </a:solidFill>
-                        <a:effectLst/>
-                        <a:latin typeface="+mn-lt"/>
-                        <a:ea typeface="等线" panose="02010600030101010101" pitchFamily="2" charset="-122"/>
-                      </a:endParaRPr>
                     </a:p>
                   </a:txBody>
                   <a:tcPr marL="7620" marR="7620" marT="7620" marB="0" anchor="ctr"/>
@@ -20409,7 +19953,7 @@
                     <a:p>
                       <a:pPr algn="l" fontAlgn="ctr"/>
                       <a:r>
-                        <a:rPr lang="en-US" sz="2200" b="0" i="0" u="none" strike="noStrike" dirty="0" err="1" smtClean="0">
+                        <a:rPr lang="en-US" sz="2200" b="0" i="0" u="none" strike="noStrike" dirty="0" err="1">
                           <a:solidFill>
                             <a:srgbClr val="000000"/>
                           </a:solidFill>
@@ -20420,7 +19964,7 @@
                         <a:t>addi</a:t>
                       </a:r>
                       <a:r>
-                        <a:rPr lang="en-US" sz="2200" b="0" i="0" u="none" strike="noStrike" dirty="0" smtClean="0">
+                        <a:rPr lang="en-US" sz="2200" b="0" i="0" u="none" strike="noStrike" dirty="0">
                           <a:solidFill>
                             <a:srgbClr val="000000"/>
                           </a:solidFill>
@@ -20430,14 +19974,6 @@
                         </a:rPr>
                         <a:t> x20,x0,84</a:t>
                       </a:r>
-                      <a:endParaRPr lang="en-US" sz="2200" b="0" i="0" u="none" strike="noStrike" dirty="0">
-                        <a:solidFill>
-                          <a:srgbClr val="000000"/>
-                        </a:solidFill>
-                        <a:effectLst/>
-                        <a:latin typeface="+mn-lt"/>
-                        <a:ea typeface="等线" panose="02010600030101010101" pitchFamily="2" charset="-122"/>
-                      </a:endParaRPr>
                     </a:p>
                   </a:txBody>
                   <a:tcPr marL="7620" marR="7620" marT="7620" marB="0" anchor="ctr"/>
@@ -20563,7 +20099,7 @@
                     <a:p>
                       <a:pPr algn="l" fontAlgn="ctr"/>
                       <a:r>
-                        <a:rPr lang="en-US" sz="2200" b="0" i="0" u="none" strike="noStrike" dirty="0" err="1" smtClean="0">
+                        <a:rPr lang="en-US" sz="2200" b="0" i="0" u="none" strike="noStrike" dirty="0" err="1">
                           <a:solidFill>
                             <a:srgbClr val="000000"/>
                           </a:solidFill>
@@ -20574,7 +20110,7 @@
                         <a:t>auipc</a:t>
                       </a:r>
                       <a:r>
-                        <a:rPr lang="en-US" sz="2200" b="0" i="0" u="none" strike="noStrike" dirty="0" smtClean="0">
+                        <a:rPr lang="en-US" sz="2200" b="0" i="0" u="none" strike="noStrike" dirty="0">
                           <a:solidFill>
                             <a:srgbClr val="000000"/>
                           </a:solidFill>
@@ -20584,14 +20120,6 @@
                         </a:rPr>
                         <a:t> x12, 0xffff0</a:t>
                       </a:r>
-                      <a:endParaRPr lang="en-US" sz="2200" b="0" i="0" u="none" strike="noStrike" dirty="0">
-                        <a:solidFill>
-                          <a:srgbClr val="000000"/>
-                        </a:solidFill>
-                        <a:effectLst/>
-                        <a:latin typeface="+mn-lt"/>
-                        <a:ea typeface="等线" panose="02010600030101010101" pitchFamily="2" charset="-122"/>
-                      </a:endParaRPr>
                     </a:p>
                   </a:txBody>
                   <a:tcPr marL="7620" marR="7620" marT="7620" marB="0" anchor="ctr"/>
@@ -20717,7 +20245,7 @@
                     <a:p>
                       <a:pPr algn="l" fontAlgn="ctr"/>
                       <a:r>
-                        <a:rPr lang="en-US" sz="2200" b="0" i="0" u="none" strike="noStrike" dirty="0" smtClean="0">
+                        <a:rPr lang="en-US" sz="2200" b="0" i="0" u="none" strike="noStrike" dirty="0">
                           <a:solidFill>
                             <a:srgbClr val="000000"/>
                           </a:solidFill>
@@ -20727,14 +20255,6 @@
                         </a:rPr>
                         <a:t>div x13, x7, x2</a:t>
                       </a:r>
-                      <a:endParaRPr lang="en-US" sz="2200" b="0" i="0" u="none" strike="noStrike" dirty="0">
-                        <a:solidFill>
-                          <a:srgbClr val="000000"/>
-                        </a:solidFill>
-                        <a:effectLst/>
-                        <a:latin typeface="+mn-lt"/>
-                        <a:ea typeface="等线" panose="02010600030101010101" pitchFamily="2" charset="-122"/>
-                      </a:endParaRPr>
                     </a:p>
                   </a:txBody>
                   <a:tcPr marL="7620" marR="7620" marT="7620" marB="0" anchor="ctr"/>
@@ -20860,7 +20380,7 @@
                     <a:p>
                       <a:pPr algn="l" fontAlgn="ctr"/>
                       <a:r>
-                        <a:rPr lang="en-US" sz="2200" b="0" i="0" u="none" strike="noStrike" dirty="0" err="1" smtClean="0">
+                        <a:rPr lang="en-US" sz="2200" b="0" i="0" u="none" strike="noStrike" dirty="0" err="1">
                           <a:solidFill>
                             <a:srgbClr val="000000"/>
                           </a:solidFill>
@@ -20871,7 +20391,7 @@
                         <a:t>mul</a:t>
                       </a:r>
                       <a:r>
-                        <a:rPr lang="en-US" sz="2200" b="0" i="0" u="none" strike="noStrike" dirty="0" smtClean="0">
+                        <a:rPr lang="en-US" sz="2200" b="0" i="0" u="none" strike="noStrike" dirty="0">
                           <a:solidFill>
                             <a:srgbClr val="000000"/>
                           </a:solidFill>
@@ -20881,14 +20401,6 @@
                         </a:rPr>
                         <a:t> x14, x4, x5</a:t>
                       </a:r>
-                      <a:endParaRPr lang="en-US" sz="2200" b="0" i="0" u="none" strike="noStrike" dirty="0">
-                        <a:solidFill>
-                          <a:srgbClr val="000000"/>
-                        </a:solidFill>
-                        <a:effectLst/>
-                        <a:latin typeface="+mn-lt"/>
-                        <a:ea typeface="等线" panose="02010600030101010101" pitchFamily="2" charset="-122"/>
-                      </a:endParaRPr>
                     </a:p>
                   </a:txBody>
                   <a:tcPr marL="7620" marR="7620" marT="7620" marB="0" anchor="ctr"/>
@@ -21014,7 +20526,7 @@
                     <a:p>
                       <a:pPr algn="l" fontAlgn="ctr"/>
                       <a:r>
-                        <a:rPr lang="en-US" sz="2200" b="0" i="0" u="none" strike="noStrike" dirty="0" err="1" smtClean="0">
+                        <a:rPr lang="en-US" sz="2200" b="0" i="0" u="none" strike="noStrike" dirty="0" err="1">
                           <a:solidFill>
                             <a:srgbClr val="000000"/>
                           </a:solidFill>
@@ -21025,7 +20537,7 @@
                         <a:t>mul</a:t>
                       </a:r>
                       <a:r>
-                        <a:rPr lang="en-US" sz="2200" b="0" i="0" u="none" strike="noStrike" dirty="0" smtClean="0">
+                        <a:rPr lang="en-US" sz="2200" b="0" i="0" u="none" strike="noStrike" dirty="0">
                           <a:solidFill>
                             <a:srgbClr val="000000"/>
                           </a:solidFill>
@@ -21035,14 +20547,6 @@
                         </a:rPr>
                         <a:t> x15, x13, x2</a:t>
                       </a:r>
-                      <a:endParaRPr lang="en-US" sz="2200" b="0" i="0" u="none" strike="noStrike" dirty="0">
-                        <a:solidFill>
-                          <a:srgbClr val="000000"/>
-                        </a:solidFill>
-                        <a:effectLst/>
-                        <a:latin typeface="+mn-lt"/>
-                        <a:ea typeface="等线" panose="02010600030101010101" pitchFamily="2" charset="-122"/>
-                      </a:endParaRPr>
                     </a:p>
                   </a:txBody>
                   <a:tcPr marL="7620" marR="7620" marT="7620" marB="0" anchor="ctr"/>
@@ -21168,7 +20672,7 @@
                     <a:p>
                       <a:pPr algn="l" fontAlgn="ctr"/>
                       <a:r>
-                        <a:rPr lang="en-US" sz="2200" b="0" i="0" u="none" strike="noStrike" dirty="0" err="1" smtClean="0">
+                        <a:rPr lang="en-US" sz="2200" b="0" i="0" u="none" strike="noStrike" dirty="0" err="1">
                           <a:solidFill>
                             <a:srgbClr val="000000"/>
                           </a:solidFill>
@@ -21179,7 +20683,7 @@
                         <a:t>addi</a:t>
                       </a:r>
                       <a:r>
-                        <a:rPr lang="en-US" sz="2200" b="0" i="0" u="none" strike="noStrike" dirty="0" smtClean="0">
+                        <a:rPr lang="en-US" sz="2200" b="0" i="0" u="none" strike="noStrike" dirty="0">
                           <a:solidFill>
                             <a:srgbClr val="000000"/>
                           </a:solidFill>
@@ -21189,14 +20693,6 @@
                         </a:rPr>
                         <a:t> x16, x0, 4</a:t>
                       </a:r>
-                      <a:endParaRPr lang="en-US" sz="2200" b="0" i="0" u="none" strike="noStrike" dirty="0">
-                        <a:solidFill>
-                          <a:srgbClr val="000000"/>
-                        </a:solidFill>
-                        <a:effectLst/>
-                        <a:latin typeface="+mn-lt"/>
-                        <a:ea typeface="等线" panose="02010600030101010101" pitchFamily="2" charset="-122"/>
-                      </a:endParaRPr>
                     </a:p>
                   </a:txBody>
                   <a:tcPr marL="7620" marR="7620" marT="7620" marB="0" anchor="ctr"/>
@@ -21322,7 +20818,7 @@
                     <a:p>
                       <a:pPr algn="l" fontAlgn="ctr"/>
                       <a:r>
-                        <a:rPr lang="en-US" sz="2200" b="0" i="0" u="none" strike="noStrike" dirty="0" err="1" smtClean="0">
+                        <a:rPr lang="en-US" sz="2200" b="0" i="0" u="none" strike="noStrike" dirty="0" err="1">
                           <a:solidFill>
                             <a:srgbClr val="000000"/>
                           </a:solidFill>
@@ -21333,7 +20829,7 @@
                         <a:t>jalr</a:t>
                       </a:r>
                       <a:r>
-                        <a:rPr lang="en-US" sz="2200" b="0" i="0" u="none" strike="noStrike" dirty="0" smtClean="0">
+                        <a:rPr lang="en-US" sz="2200" b="0" i="0" u="none" strike="noStrike" dirty="0">
                           <a:solidFill>
                             <a:srgbClr val="000000"/>
                           </a:solidFill>
@@ -21343,14 +20839,6 @@
                         </a:rPr>
                         <a:t> x17,0(x0)</a:t>
                       </a:r>
-                      <a:endParaRPr lang="en-US" sz="2200" b="0" i="0" u="none" strike="noStrike" dirty="0">
-                        <a:solidFill>
-                          <a:srgbClr val="000000"/>
-                        </a:solidFill>
-                        <a:effectLst/>
-                        <a:latin typeface="+mn-lt"/>
-                        <a:ea typeface="等线" panose="02010600030101010101" pitchFamily="2" charset="-122"/>
-                      </a:endParaRPr>
                     </a:p>
                   </a:txBody>
                   <a:tcPr marL="7620" marR="7620" marT="7620" marB="0" anchor="ctr"/>
@@ -21634,13 +21122,6 @@
   <p:clrMapOvr>
     <a:masterClrMapping/>
   </p:clrMapOvr>
-  <p:timing>
-    <p:tnLst>
-      <p:par>
-        <p:cTn id="1" dur="indefinite" restart="never" nodeType="tmRoot"/>
-      </p:par>
-    </p:tnLst>
-  </p:timing>
 </p:sld>
 </file>
 
